--- a/Presentation/5 Nov/Final Presentation.pptx
+++ b/Presentation/5 Nov/Final Presentation.pptx
@@ -149,7 +149,7 @@
 <file path=ppt/charts/chart1.xml><?xml version="1.0" encoding="utf-8"?>
 <c:chartSpace xmlns:c="http://schemas.openxmlformats.org/drawingml/2006/chart" xmlns:a="http://schemas.openxmlformats.org/drawingml/2006/main" xmlns:r="http://schemas.openxmlformats.org/officeDocument/2006/relationships">
   <c:date1904 val="1"/>
-  <c:lang val="en-GB"/>
+  <c:lang val="en-ZA"/>
   <c:chart>
     <c:title>
       <c:tx>
@@ -308,7 +308,7 @@
 <file path=ppt/charts/chart10.xml><?xml version="1.0" encoding="utf-8"?>
 <c:chartSpace xmlns:c="http://schemas.openxmlformats.org/drawingml/2006/chart" xmlns:a="http://schemas.openxmlformats.org/drawingml/2006/main" xmlns:r="http://schemas.openxmlformats.org/officeDocument/2006/relationships">
   <c:date1904 val="1"/>
-  <c:lang val="en-GB"/>
+  <c:lang val="en-ZA"/>
   <c:chart>
     <c:title>
       <c:tx>
@@ -502,12 +502,12 @@
           </c:val>
         </c:ser>
         <c:shape val="box"/>
-        <c:axId val="84045824"/>
-        <c:axId val="84047744"/>
+        <c:axId val="57774080"/>
+        <c:axId val="57776000"/>
         <c:axId val="0"/>
       </c:bar3DChart>
       <c:catAx>
-        <c:axId val="84045824"/>
+        <c:axId val="57774080"/>
         <c:scaling>
           <c:orientation val="minMax"/>
         </c:scaling>
@@ -543,14 +543,14 @@
             <a:endParaRPr lang="en-US"/>
           </a:p>
         </c:txPr>
-        <c:crossAx val="84047744"/>
+        <c:crossAx val="57776000"/>
         <c:crosses val="autoZero"/>
         <c:auto val="1"/>
         <c:lblAlgn val="ctr"/>
         <c:lblOffset val="100"/>
       </c:catAx>
       <c:valAx>
-        <c:axId val="84047744"/>
+        <c:axId val="57776000"/>
         <c:scaling>
           <c:orientation val="minMax"/>
         </c:scaling>
@@ -586,7 +586,7 @@
             <a:endParaRPr lang="en-US"/>
           </a:p>
         </c:txPr>
-        <c:crossAx val="84045824"/>
+        <c:crossAx val="57774080"/>
         <c:crosses val="autoZero"/>
         <c:crossBetween val="between"/>
       </c:valAx>
@@ -621,7 +621,7 @@
 <file path=ppt/charts/chart2.xml><?xml version="1.0" encoding="utf-8"?>
 <c:chartSpace xmlns:c="http://schemas.openxmlformats.org/drawingml/2006/chart" xmlns:a="http://schemas.openxmlformats.org/drawingml/2006/main" xmlns:r="http://schemas.openxmlformats.org/officeDocument/2006/relationships">
   <c:date1904 val="1"/>
-  <c:lang val="en-GB"/>
+  <c:lang val="en-ZA"/>
   <c:chart>
     <c:title>
       <c:tx>
@@ -772,7 +772,7 @@
 <file path=ppt/charts/chart3.xml><?xml version="1.0" encoding="utf-8"?>
 <c:chartSpace xmlns:c="http://schemas.openxmlformats.org/drawingml/2006/chart" xmlns:a="http://schemas.openxmlformats.org/drawingml/2006/main" xmlns:r="http://schemas.openxmlformats.org/officeDocument/2006/relationships">
   <c:date1904 val="1"/>
-  <c:lang val="en-GB"/>
+  <c:lang val="en-ZA"/>
   <c:chart>
     <c:title>
       <c:tx>
@@ -848,12 +848,12 @@
           </c:val>
         </c:ser>
         <c:shape val="box"/>
-        <c:axId val="82366464"/>
-        <c:axId val="82368384"/>
+        <c:axId val="55939072"/>
+        <c:axId val="55940992"/>
         <c:axId val="0"/>
       </c:bar3DChart>
       <c:catAx>
-        <c:axId val="82366464"/>
+        <c:axId val="55939072"/>
         <c:scaling>
           <c:orientation val="minMax"/>
         </c:scaling>
@@ -893,14 +893,14 @@
             <a:endParaRPr lang="en-US"/>
           </a:p>
         </c:txPr>
-        <c:crossAx val="82368384"/>
+        <c:crossAx val="55940992"/>
         <c:crosses val="autoZero"/>
         <c:auto val="1"/>
         <c:lblAlgn val="ctr"/>
         <c:lblOffset val="100"/>
       </c:catAx>
       <c:valAx>
-        <c:axId val="82368384"/>
+        <c:axId val="55940992"/>
         <c:scaling>
           <c:orientation val="minMax"/>
         </c:scaling>
@@ -941,7 +941,7 @@
             <a:endParaRPr lang="en-US"/>
           </a:p>
         </c:txPr>
-        <c:crossAx val="82366464"/>
+        <c:crossAx val="55939072"/>
         <c:crosses val="autoZero"/>
         <c:crossBetween val="between"/>
       </c:valAx>
@@ -962,7 +962,7 @@
 <file path=ppt/charts/chart4.xml><?xml version="1.0" encoding="utf-8"?>
 <c:chartSpace xmlns:c="http://schemas.openxmlformats.org/drawingml/2006/chart" xmlns:a="http://schemas.openxmlformats.org/drawingml/2006/main" xmlns:r="http://schemas.openxmlformats.org/officeDocument/2006/relationships">
   <c:date1904 val="1"/>
-  <c:lang val="en-GB"/>
+  <c:lang val="en-ZA"/>
   <c:chart>
     <c:title>
       <c:tx>
@@ -1104,7 +1104,7 @@
 <file path=ppt/charts/chart5.xml><?xml version="1.0" encoding="utf-8"?>
 <c:chartSpace xmlns:c="http://schemas.openxmlformats.org/drawingml/2006/chart" xmlns:a="http://schemas.openxmlformats.org/drawingml/2006/main" xmlns:r="http://schemas.openxmlformats.org/officeDocument/2006/relationships">
   <c:date1904 val="1"/>
-  <c:lang val="en-GB"/>
+  <c:lang val="en-ZA"/>
   <c:chart>
     <c:title>
       <c:tx>
@@ -1238,7 +1238,7 @@
 <file path=ppt/charts/chart6.xml><?xml version="1.0" encoding="utf-8"?>
 <c:chartSpace xmlns:c="http://schemas.openxmlformats.org/drawingml/2006/chart" xmlns:a="http://schemas.openxmlformats.org/drawingml/2006/main" xmlns:r="http://schemas.openxmlformats.org/officeDocument/2006/relationships">
   <c:date1904 val="1"/>
-  <c:lang val="en-GB"/>
+  <c:lang val="en-ZA"/>
   <c:chart>
     <c:title>
       <c:tx>
@@ -1314,12 +1314,12 @@
           </c:val>
         </c:ser>
         <c:shape val="box"/>
-        <c:axId val="82724352"/>
-        <c:axId val="82726272"/>
+        <c:axId val="55571968"/>
+        <c:axId val="55573888"/>
         <c:axId val="0"/>
       </c:bar3DChart>
       <c:catAx>
-        <c:axId val="82724352"/>
+        <c:axId val="55571968"/>
         <c:scaling>
           <c:orientation val="minMax"/>
         </c:scaling>
@@ -1354,14 +1354,14 @@
             <a:endParaRPr lang="en-US"/>
           </a:p>
         </c:txPr>
-        <c:crossAx val="82726272"/>
+        <c:crossAx val="55573888"/>
         <c:crosses val="autoZero"/>
         <c:auto val="1"/>
         <c:lblAlgn val="ctr"/>
         <c:lblOffset val="100"/>
       </c:catAx>
       <c:valAx>
-        <c:axId val="82726272"/>
+        <c:axId val="55573888"/>
         <c:scaling>
           <c:orientation val="minMax"/>
         </c:scaling>
@@ -1402,7 +1402,7 @@
             <a:endParaRPr lang="en-US"/>
           </a:p>
         </c:txPr>
-        <c:crossAx val="82724352"/>
+        <c:crossAx val="55571968"/>
         <c:crosses val="autoZero"/>
         <c:crossBetween val="between"/>
       </c:valAx>
@@ -1423,7 +1423,7 @@
 <file path=ppt/charts/chart7.xml><?xml version="1.0" encoding="utf-8"?>
 <c:chartSpace xmlns:c="http://schemas.openxmlformats.org/drawingml/2006/chart" xmlns:a="http://schemas.openxmlformats.org/drawingml/2006/main" xmlns:r="http://schemas.openxmlformats.org/officeDocument/2006/relationships">
   <c:date1904 val="1"/>
-  <c:lang val="en-GB"/>
+  <c:lang val="en-ZA"/>
   <c:chart>
     <c:title>
       <c:tx>
@@ -1517,12 +1517,12 @@
           </c:val>
         </c:ser>
         <c:shape val="box"/>
-        <c:axId val="82785408"/>
-        <c:axId val="82787328"/>
+        <c:axId val="57222272"/>
+        <c:axId val="57224192"/>
         <c:axId val="0"/>
       </c:bar3DChart>
       <c:catAx>
-        <c:axId val="82785408"/>
+        <c:axId val="57222272"/>
         <c:scaling>
           <c:orientation val="minMax"/>
         </c:scaling>
@@ -1558,14 +1558,14 @@
             <a:endParaRPr lang="en-US"/>
           </a:p>
         </c:txPr>
-        <c:crossAx val="82787328"/>
+        <c:crossAx val="57224192"/>
         <c:crosses val="autoZero"/>
         <c:auto val="1"/>
         <c:lblAlgn val="ctr"/>
         <c:lblOffset val="100"/>
       </c:catAx>
       <c:valAx>
-        <c:axId val="82787328"/>
+        <c:axId val="57224192"/>
         <c:scaling>
           <c:orientation val="minMax"/>
         </c:scaling>
@@ -1601,7 +1601,7 @@
             <a:endParaRPr lang="en-US"/>
           </a:p>
         </c:txPr>
-        <c:crossAx val="82785408"/>
+        <c:crossAx val="57222272"/>
         <c:crosses val="autoZero"/>
         <c:crossBetween val="between"/>
       </c:valAx>
@@ -1636,7 +1636,7 @@
 <file path=ppt/charts/chart8.xml><?xml version="1.0" encoding="utf-8"?>
 <c:chartSpace xmlns:c="http://schemas.openxmlformats.org/drawingml/2006/chart" xmlns:a="http://schemas.openxmlformats.org/drawingml/2006/main" xmlns:r="http://schemas.openxmlformats.org/officeDocument/2006/relationships">
   <c:date1904 val="1"/>
-  <c:lang val="en-GB"/>
+  <c:lang val="en-ZA"/>
   <c:chart>
     <c:title>
       <c:tx>
@@ -1838,12 +1838,12 @@
           </c:val>
         </c:ser>
         <c:shape val="box"/>
-        <c:axId val="82831232"/>
-        <c:axId val="82853888"/>
+        <c:axId val="57419648"/>
+        <c:axId val="57430016"/>
         <c:axId val="0"/>
       </c:bar3DChart>
       <c:catAx>
-        <c:axId val="82831232"/>
+        <c:axId val="57419648"/>
         <c:scaling>
           <c:orientation val="minMax"/>
         </c:scaling>
@@ -1879,14 +1879,14 @@
             <a:endParaRPr lang="en-US"/>
           </a:p>
         </c:txPr>
-        <c:crossAx val="82853888"/>
+        <c:crossAx val="57430016"/>
         <c:crosses val="autoZero"/>
         <c:auto val="1"/>
         <c:lblAlgn val="ctr"/>
         <c:lblOffset val="100"/>
       </c:catAx>
       <c:valAx>
-        <c:axId val="82853888"/>
+        <c:axId val="57430016"/>
         <c:scaling>
           <c:orientation val="minMax"/>
         </c:scaling>
@@ -1922,7 +1922,7 @@
             <a:endParaRPr lang="en-US"/>
           </a:p>
         </c:txPr>
-        <c:crossAx val="82831232"/>
+        <c:crossAx val="57419648"/>
         <c:crosses val="autoZero"/>
         <c:crossBetween val="between"/>
       </c:valAx>
@@ -1957,7 +1957,7 @@
 <file path=ppt/charts/chart9.xml><?xml version="1.0" encoding="utf-8"?>
 <c:chartSpace xmlns:c="http://schemas.openxmlformats.org/drawingml/2006/chart" xmlns:a="http://schemas.openxmlformats.org/drawingml/2006/main" xmlns:r="http://schemas.openxmlformats.org/officeDocument/2006/relationships">
   <c:date1904 val="1"/>
-  <c:lang val="en-GB"/>
+  <c:lang val="en-ZA"/>
   <c:chart>
     <c:title>
       <c:tx>
@@ -2070,12 +2070,12 @@
           </c:val>
         </c:ser>
         <c:shape val="box"/>
-        <c:axId val="82385920"/>
-        <c:axId val="82392192"/>
+        <c:axId val="57347072"/>
+        <c:axId val="57353344"/>
         <c:axId val="0"/>
       </c:bar3DChart>
       <c:catAx>
-        <c:axId val="82385920"/>
+        <c:axId val="57347072"/>
         <c:scaling>
           <c:orientation val="minMax"/>
         </c:scaling>
@@ -2110,14 +2110,14 @@
             <a:endParaRPr lang="en-US"/>
           </a:p>
         </c:txPr>
-        <c:crossAx val="82392192"/>
+        <c:crossAx val="57353344"/>
         <c:crosses val="autoZero"/>
         <c:auto val="1"/>
         <c:lblAlgn val="ctr"/>
         <c:lblOffset val="100"/>
       </c:catAx>
       <c:valAx>
-        <c:axId val="82392192"/>
+        <c:axId val="57353344"/>
         <c:scaling>
           <c:orientation val="minMax"/>
         </c:scaling>
@@ -2153,7 +2153,7 @@
             <a:endParaRPr lang="en-US"/>
           </a:p>
         </c:txPr>
-        <c:crossAx val="82385920"/>
+        <c:crossAx val="57347072"/>
         <c:crosses val="autoZero"/>
         <c:crossBetween val="between"/>
       </c:valAx>
@@ -2268,7 +2268,7 @@
             <a:fld id="{BDCD609A-386A-4C9A-90D2-8B3FA151554E}" type="datetimeFigureOut">
               <a:rPr lang="en-US" smtClean="0"/>
               <a:pPr/>
-              <a:t>11/5/2011</a:t>
+              <a:t>11/6/2011</a:t>
             </a:fld>
             <a:endParaRPr lang="en-GB"/>
           </a:p>
@@ -4355,7 +4355,18 @@
                 <a:ea typeface="+mn-ea"/>
                 <a:cs typeface="+mn-cs"/>
               </a:rPr>
-              <a:t>For the third iteration, A facsimile of a local news website was been designed. Numerical and link name referencing techniques have been applied to the website to determine the performance of these techniques on complex and realistic websites. Two versions of the website facsimile have been created. The numerical referencing technique is applied to the first version as indicated in the </a:t>
+              <a:t>For the third iteration, A facsimile of a local news website was been designed. Numerical and link name referencing techniques have been applied to the website to determine the performance of these techniques on complex and realistic websites. Two versions of the website facsimile have been created. The numerical referencing technique is applied to the first version as indicated in the slide. Each link</a:t>
+            </a:r>
+            <a:r>
+              <a:rPr lang="en-GB" sz="1200" kern="1200" baseline="0" dirty="0" smtClean="0">
+                <a:solidFill>
+                  <a:schemeClr val="tx1"/>
+                </a:solidFill>
+                <a:latin typeface="+mn-lt"/>
+                <a:ea typeface="+mn-ea"/>
+                <a:cs typeface="+mn-cs"/>
+              </a:rPr>
+              <a:t> is</a:t>
             </a:r>
             <a:r>
               <a:rPr lang="en-GB" sz="1200" kern="1200" dirty="0" smtClean="0">
@@ -4366,19 +4377,27 @@
                 <a:ea typeface="+mn-ea"/>
                 <a:cs typeface="+mn-cs"/>
               </a:rPr>
-              <a:t>slide. Each link</a:t>
-            </a:r>
-            <a:r>
-              <a:rPr lang="en-GB" sz="1200" kern="1200" baseline="0" dirty="0" smtClean="0">
-                <a:solidFill>
-                  <a:schemeClr val="tx1"/>
-                </a:solidFill>
-                <a:latin typeface="+mn-lt"/>
-                <a:ea typeface="+mn-ea"/>
-                <a:cs typeface="+mn-cs"/>
-              </a:rPr>
-              <a:t> is</a:t>
-            </a:r>
+              <a:t> accessed by saying the associated number. For e.g. For the first article on Shark Attack, the user is required to say 1.</a:t>
+            </a:r>
+          </a:p>
+          <a:p>
+            <a:pPr marL="0" marR="0" lvl="1" indent="0" algn="l" defTabSz="914400" rtl="0" eaLnBrk="1" fontAlgn="auto" latinLnBrk="0" hangingPunct="1">
+              <a:lnSpc>
+                <a:spcPct val="100000"/>
+              </a:lnSpc>
+              <a:spcBef>
+                <a:spcPts val="0"/>
+              </a:spcBef>
+              <a:spcAft>
+                <a:spcPts val="0"/>
+              </a:spcAft>
+              <a:buClrTx/>
+              <a:buSzTx/>
+              <a:buFont typeface="Arial" pitchFamily="34" charset="0"/>
+              <a:buNone/>
+              <a:tabLst/>
+              <a:defRPr/>
+            </a:pPr>
             <a:r>
               <a:rPr lang="en-GB" sz="1200" kern="1200" dirty="0" smtClean="0">
                 <a:solidFill>
@@ -4388,70 +4407,7 @@
                 <a:ea typeface="+mn-ea"/>
                 <a:cs typeface="+mn-cs"/>
               </a:rPr>
-              <a:t> </a:t>
-            </a:r>
-            <a:r>
-              <a:rPr lang="en-GB" sz="1200" kern="1200" dirty="0" smtClean="0">
-                <a:solidFill>
-                  <a:schemeClr val="tx1"/>
-                </a:solidFill>
-                <a:latin typeface="+mn-lt"/>
-                <a:ea typeface="+mn-ea"/>
-                <a:cs typeface="+mn-cs"/>
-              </a:rPr>
-              <a:t>accessed by saying the associated number. </a:t>
-            </a:r>
-            <a:r>
-              <a:rPr lang="en-GB" sz="1200" kern="1200" dirty="0" smtClean="0">
-                <a:solidFill>
-                  <a:schemeClr val="tx1"/>
-                </a:solidFill>
-                <a:latin typeface="+mn-lt"/>
-                <a:ea typeface="+mn-ea"/>
-                <a:cs typeface="+mn-cs"/>
-              </a:rPr>
-              <a:t>For e.g. For the first article on Shark Attack, the user is required to say 1.</a:t>
-            </a:r>
-          </a:p>
-          <a:p>
-            <a:pPr marL="0" marR="0" lvl="1" indent="0" algn="l" defTabSz="914400" rtl="0" eaLnBrk="1" fontAlgn="auto" latinLnBrk="0" hangingPunct="1">
-              <a:lnSpc>
-                <a:spcPct val="100000"/>
-              </a:lnSpc>
-              <a:spcBef>
-                <a:spcPts val="0"/>
-              </a:spcBef>
-              <a:spcAft>
-                <a:spcPts val="0"/>
-              </a:spcAft>
-              <a:buClrTx/>
-              <a:buSzTx/>
-              <a:buFont typeface="Arial" pitchFamily="34" charset="0"/>
-              <a:buNone/>
-              <a:tabLst/>
-              <a:defRPr/>
-            </a:pPr>
-            <a:r>
-              <a:rPr lang="en-GB" sz="1200" kern="1200" dirty="0" smtClean="0">
-                <a:solidFill>
-                  <a:schemeClr val="tx1"/>
-                </a:solidFill>
-                <a:latin typeface="+mn-lt"/>
-                <a:ea typeface="+mn-ea"/>
-                <a:cs typeface="+mn-cs"/>
-              </a:rPr>
-              <a:t>To </a:t>
-            </a:r>
-            <a:r>
-              <a:rPr lang="en-GB" sz="1200" kern="1200" dirty="0" smtClean="0">
-                <a:solidFill>
-                  <a:schemeClr val="tx1"/>
-                </a:solidFill>
-                <a:latin typeface="+mn-lt"/>
-                <a:ea typeface="+mn-ea"/>
-                <a:cs typeface="+mn-cs"/>
-              </a:rPr>
-              <a:t>activate speech recognition for either of the websites, the ctrl button on the keyboard must be pressed before speaking. </a:t>
+              <a:t>To activate speech recognition for either of the websites, the ctrl button on the keyboard must be pressed before speaking. </a:t>
             </a:r>
             <a:endParaRPr lang="en-GB" dirty="0"/>
           </a:p>
@@ -4658,18 +4614,7 @@
                 <a:ea typeface="+mn-ea"/>
                 <a:cs typeface="+mn-cs"/>
               </a:rPr>
-              <a:t>Link name referencing is applied to the second version of the website wherein links are accessed by saying the text highlighted in </a:t>
-            </a:r>
-            <a:r>
-              <a:rPr lang="en-GB" sz="1200" kern="1200" dirty="0" smtClean="0">
-                <a:solidFill>
-                  <a:schemeClr val="tx1"/>
-                </a:solidFill>
-                <a:latin typeface="+mn-lt"/>
-                <a:ea typeface="+mn-ea"/>
-                <a:cs typeface="+mn-cs"/>
-              </a:rPr>
-              <a:t>green. If the user wishes to read the first</a:t>
+              <a:t>Link name referencing is applied to the second version of the website wherein links are accessed by saying the text highlighted in green. If the user wishes to read the first</a:t>
             </a:r>
             <a:r>
               <a:rPr lang="en-GB" sz="1200" kern="1200" baseline="0" dirty="0" smtClean="0">
@@ -4864,29 +4809,7 @@
                 <a:ea typeface="+mn-ea"/>
                 <a:cs typeface="+mn-cs"/>
               </a:rPr>
-              <a:t>Verbal </a:t>
-            </a:r>
-            <a:r>
-              <a:rPr lang="en-GB" sz="1200" kern="1200" dirty="0" smtClean="0">
-                <a:solidFill>
-                  <a:schemeClr val="tx1"/>
-                </a:solidFill>
-                <a:latin typeface="+mn-lt"/>
-                <a:ea typeface="+mn-ea"/>
-                <a:cs typeface="+mn-cs"/>
-              </a:rPr>
-              <a:t>feedback has been incorporated where commands spoken by the user are verbally repeated back to the user. </a:t>
-            </a:r>
-            <a:r>
-              <a:rPr lang="en-GB" sz="1200" kern="1200" dirty="0" smtClean="0">
-                <a:solidFill>
-                  <a:schemeClr val="tx1"/>
-                </a:solidFill>
-                <a:latin typeface="+mn-lt"/>
-                <a:ea typeface="+mn-ea"/>
-                <a:cs typeface="+mn-cs"/>
-              </a:rPr>
-              <a:t>. Link highlighting has been provided as visual feedback. Upon selecting a link, the colour of the selected link changes to red to notify the user that the element is selected</a:t>
+              <a:t>Verbal feedback has been incorporated where commands spoken by the user are verbally repeated back to the user. . Link highlighting has been provided as visual feedback. Upon selecting a link, the colour of the selected link changes to red to notify the user that the element is selected</a:t>
             </a:r>
             <a:r>
               <a:rPr lang="en-GB" sz="1200" kern="1200" baseline="0" dirty="0" smtClean="0">
@@ -4935,62 +4858,7 @@
                 <a:ea typeface="+mn-ea"/>
                 <a:cs typeface="+mn-cs"/>
               </a:rPr>
-              <a:t> User </a:t>
-            </a:r>
-            <a:r>
-              <a:rPr lang="en-GB" sz="1200" kern="1200" dirty="0" smtClean="0">
-                <a:solidFill>
-                  <a:schemeClr val="tx1"/>
-                </a:solidFill>
-                <a:latin typeface="+mn-lt"/>
-                <a:ea typeface="+mn-ea"/>
-                <a:cs typeface="+mn-cs"/>
-              </a:rPr>
-              <a:t>confirmation </a:t>
-            </a:r>
-            <a:r>
-              <a:rPr lang="en-GB" sz="1200" kern="1200" dirty="0" smtClean="0">
-                <a:solidFill>
-                  <a:schemeClr val="tx1"/>
-                </a:solidFill>
-                <a:latin typeface="+mn-lt"/>
-                <a:ea typeface="+mn-ea"/>
-                <a:cs typeface="+mn-cs"/>
-              </a:rPr>
-              <a:t>has also </a:t>
-            </a:r>
-            <a:r>
-              <a:rPr lang="en-GB" sz="1200" kern="1200" dirty="0" smtClean="0">
-                <a:solidFill>
-                  <a:schemeClr val="tx1"/>
-                </a:solidFill>
-                <a:latin typeface="+mn-lt"/>
-                <a:ea typeface="+mn-ea"/>
-                <a:cs typeface="+mn-cs"/>
-              </a:rPr>
-              <a:t>been integrated into the application for complex navigation methods such as selecting a link or going backwards. After an action is selected by the user, yes or no verbal confirmation must be provided. In the event of recognition errors, users are requested to repeat the </a:t>
-            </a:r>
-            <a:r>
-              <a:rPr lang="en-GB" sz="1200" kern="1200" dirty="0" smtClean="0">
-                <a:solidFill>
-                  <a:schemeClr val="tx1"/>
-                </a:solidFill>
-                <a:latin typeface="+mn-lt"/>
-                <a:ea typeface="+mn-ea"/>
-                <a:cs typeface="+mn-cs"/>
-              </a:rPr>
-              <a:t>command </a:t>
-            </a:r>
-            <a:r>
-              <a:rPr lang="en-GB" sz="1200" kern="1200" dirty="0" smtClean="0">
-                <a:solidFill>
-                  <a:schemeClr val="tx1"/>
-                </a:solidFill>
-                <a:latin typeface="+mn-lt"/>
-                <a:ea typeface="+mn-ea"/>
-                <a:cs typeface="+mn-cs"/>
-              </a:rPr>
-              <a:t>Visual feedback and user confirmation ensure that correct elements are selected which improves the performance and accuracy of the voice navigation.</a:t>
+              <a:t> User confirmation has also been integrated into the application for complex navigation methods such as selecting a link or going backwards. After an action is selected by the user, yes or no verbal confirmation must be provided. In the event of recognition errors, users are requested to repeat the command Visual feedback and user confirmation ensure that correct elements are selected which improves the performance and accuracy of the voice navigation.</a:t>
             </a:r>
           </a:p>
           <a:p>
@@ -5115,14 +4983,7 @@
                 <a:latin typeface="Arial" pitchFamily="34" charset="0"/>
                 <a:cs typeface="Arial" pitchFamily="34" charset="0"/>
               </a:rPr>
-              <a:t> </a:t>
-            </a:r>
-            <a:r>
-              <a:rPr lang="en-US" sz="2800" dirty="0" smtClean="0">
-                <a:latin typeface="Arial" pitchFamily="34" charset="0"/>
-                <a:cs typeface="Arial" pitchFamily="34" charset="0"/>
-              </a:rPr>
-              <a:t>We going</a:t>
+              <a:t> We going</a:t>
             </a:r>
             <a:r>
               <a:rPr lang="en-US" sz="2800" baseline="0" dirty="0" smtClean="0">
@@ -5239,18 +5100,7 @@
                 <a:ea typeface="+mn-ea"/>
                 <a:cs typeface="Arial" pitchFamily="34" charset="0"/>
               </a:rPr>
-              <a:t> </a:t>
-            </a:r>
-            <a:r>
-              <a:rPr lang="en-US" sz="2800" kern="1200" baseline="0" dirty="0" smtClean="0">
-                <a:solidFill>
-                  <a:schemeClr val="tx1"/>
-                </a:solidFill>
-                <a:latin typeface="Arial" pitchFamily="34" charset="0"/>
-                <a:ea typeface="+mn-ea"/>
-                <a:cs typeface="Arial" pitchFamily="34" charset="0"/>
-              </a:rPr>
-              <a:t>For the first iteration, first we look at the app errors. </a:t>
+              <a:t> For the first iteration, first we look at the app errors. </a:t>
             </a:r>
             <a:r>
               <a:rPr lang="en-GB" sz="1200" kern="1200" dirty="0" smtClean="0">
@@ -5261,8 +5111,27 @@
                 <a:ea typeface="+mn-ea"/>
                 <a:cs typeface="+mn-cs"/>
               </a:rPr>
-              <a:t>Application </a:t>
-            </a:r>
+              <a:t>Application errors were cases wherein voice commands were misread, not recognised or not accepted </a:t>
+            </a:r>
+          </a:p>
+          <a:p>
+            <a:pPr marL="0" marR="0" lvl="1" indent="0" algn="l" defTabSz="914400" rtl="0" eaLnBrk="1" fontAlgn="auto" latinLnBrk="0" hangingPunct="1">
+              <a:lnSpc>
+                <a:spcPct val="100000"/>
+              </a:lnSpc>
+              <a:spcBef>
+                <a:spcPts val="0"/>
+              </a:spcBef>
+              <a:spcAft>
+                <a:spcPts val="0"/>
+              </a:spcAft>
+              <a:buClrTx/>
+              <a:buSzTx/>
+              <a:buFont typeface="Arial" pitchFamily="34" charset="0"/>
+              <a:buNone/>
+              <a:tabLst/>
+              <a:defRPr/>
+            </a:pPr>
             <a:r>
               <a:rPr lang="en-GB" sz="1200" kern="1200" dirty="0" smtClean="0">
                 <a:solidFill>
@@ -5272,7 +5141,37 @@
                 <a:ea typeface="+mn-ea"/>
                 <a:cs typeface="+mn-cs"/>
               </a:rPr>
-              <a:t>errors were cases wherein voice commands were misread, not recognised or not </a:t>
+              <a:t>  by the API. </a:t>
+            </a:r>
+          </a:p>
+          <a:p>
+            <a:pPr marL="0" marR="0" lvl="1" indent="0" algn="l" defTabSz="914400" rtl="0" eaLnBrk="1" fontAlgn="auto" latinLnBrk="0" hangingPunct="1">
+              <a:lnSpc>
+                <a:spcPct val="100000"/>
+              </a:lnSpc>
+              <a:spcBef>
+                <a:spcPts val="0"/>
+              </a:spcBef>
+              <a:spcAft>
+                <a:spcPts val="0"/>
+              </a:spcAft>
+              <a:buClrTx/>
+              <a:buSzTx/>
+              <a:buFont typeface="Arial" pitchFamily="34" charset="0"/>
+              <a:buChar char="•"/>
+              <a:tabLst/>
+              <a:defRPr/>
+            </a:pPr>
+            <a:r>
+              <a:rPr lang="en-GB" sz="1200" kern="1200" baseline="0" dirty="0" smtClean="0">
+                <a:solidFill>
+                  <a:schemeClr val="tx1"/>
+                </a:solidFill>
+                <a:latin typeface="+mn-lt"/>
+                <a:ea typeface="+mn-ea"/>
+                <a:cs typeface="+mn-cs"/>
+              </a:rPr>
+              <a:t> </a:t>
             </a:r>
             <a:r>
               <a:rPr lang="en-GB" sz="1200" kern="1200" dirty="0" smtClean="0">
@@ -5283,7 +5182,18 @@
                 <a:ea typeface="+mn-ea"/>
                 <a:cs typeface="+mn-cs"/>
               </a:rPr>
-              <a:t>accepted </a:t>
+              <a:t>In the numerical referencing section a total of 70% of application errors were recorded in comparison to the link name referencing section wherein 30%</a:t>
+            </a:r>
+            <a:r>
+              <a:rPr lang="en-GB" sz="1200" kern="1200" baseline="0" dirty="0" smtClean="0">
+                <a:solidFill>
+                  <a:schemeClr val="tx1"/>
+                </a:solidFill>
+                <a:latin typeface="+mn-lt"/>
+                <a:ea typeface="+mn-ea"/>
+                <a:cs typeface="+mn-cs"/>
+              </a:rPr>
+              <a:t> </a:t>
             </a:r>
           </a:p>
           <a:p>
@@ -5305,6 +5215,17 @@
               <a:defRPr/>
             </a:pPr>
             <a:r>
+              <a:rPr lang="en-GB" sz="1200" kern="1200" baseline="0" dirty="0" smtClean="0">
+                <a:solidFill>
+                  <a:schemeClr val="tx1"/>
+                </a:solidFill>
+                <a:latin typeface="+mn-lt"/>
+                <a:ea typeface="+mn-ea"/>
+                <a:cs typeface="+mn-cs"/>
+              </a:rPr>
+              <a:t>  </a:t>
+            </a:r>
+            <a:r>
               <a:rPr lang="en-GB" sz="1200" kern="1200" dirty="0" smtClean="0">
                 <a:solidFill>
                   <a:schemeClr val="tx1"/>
@@ -5313,27 +5234,8 @@
                 <a:ea typeface="+mn-ea"/>
                 <a:cs typeface="+mn-cs"/>
               </a:rPr>
-              <a:t>  by the API. </a:t>
-            </a:r>
-          </a:p>
-          <a:p>
-            <a:pPr marL="0" marR="0" lvl="1" indent="0" algn="l" defTabSz="914400" rtl="0" eaLnBrk="1" fontAlgn="auto" latinLnBrk="0" hangingPunct="1">
-              <a:lnSpc>
-                <a:spcPct val="100000"/>
-              </a:lnSpc>
-              <a:spcBef>
-                <a:spcPts val="0"/>
-              </a:spcBef>
-              <a:spcAft>
-                <a:spcPts val="0"/>
-              </a:spcAft>
-              <a:buClrTx/>
-              <a:buSzTx/>
-              <a:buFont typeface="Arial" pitchFamily="34" charset="0"/>
-              <a:buChar char="•"/>
-              <a:tabLst/>
-              <a:defRPr/>
-            </a:pPr>
+              <a:t>errors were recorded. The high error percentage in the numerical referencing section may be due to the similarities between numbers spoken. Numbers</a:t>
+            </a:r>
             <a:r>
               <a:rPr lang="en-GB" sz="1200" kern="1200" baseline="0" dirty="0" smtClean="0">
                 <a:solidFill>
@@ -5343,7 +5245,37 @@
                 <a:ea typeface="+mn-ea"/>
                 <a:cs typeface="+mn-cs"/>
               </a:rPr>
-              <a:t> </a:t>
+              <a:t>     </a:t>
+            </a:r>
+          </a:p>
+          <a:p>
+            <a:pPr marL="0" marR="0" lvl="1" indent="0" algn="l" defTabSz="914400" rtl="0" eaLnBrk="1" fontAlgn="auto" latinLnBrk="0" hangingPunct="1">
+              <a:lnSpc>
+                <a:spcPct val="100000"/>
+              </a:lnSpc>
+              <a:spcBef>
+                <a:spcPts val="0"/>
+              </a:spcBef>
+              <a:spcAft>
+                <a:spcPts val="0"/>
+              </a:spcAft>
+              <a:buClrTx/>
+              <a:buSzTx/>
+              <a:buFont typeface="Arial" pitchFamily="34" charset="0"/>
+              <a:buNone/>
+              <a:tabLst/>
+              <a:defRPr/>
+            </a:pPr>
+            <a:r>
+              <a:rPr lang="en-GB" sz="1200" kern="1200" baseline="0" dirty="0" smtClean="0">
+                <a:solidFill>
+                  <a:schemeClr val="tx1"/>
+                </a:solidFill>
+                <a:latin typeface="+mn-lt"/>
+                <a:ea typeface="+mn-ea"/>
+                <a:cs typeface="+mn-cs"/>
+              </a:rPr>
+              <a:t>  </a:t>
             </a:r>
             <a:r>
               <a:rPr lang="en-GB" sz="1200" kern="1200" dirty="0" smtClean="0">
@@ -5354,221 +5286,7 @@
                 <a:ea typeface="+mn-ea"/>
                 <a:cs typeface="+mn-cs"/>
               </a:rPr>
-              <a:t>In </a:t>
-            </a:r>
-            <a:r>
-              <a:rPr lang="en-GB" sz="1200" kern="1200" dirty="0" smtClean="0">
-                <a:solidFill>
-                  <a:schemeClr val="tx1"/>
-                </a:solidFill>
-                <a:latin typeface="+mn-lt"/>
-                <a:ea typeface="+mn-ea"/>
-                <a:cs typeface="+mn-cs"/>
-              </a:rPr>
-              <a:t>the numerical referencing section </a:t>
-            </a:r>
-            <a:r>
-              <a:rPr lang="en-GB" sz="1200" kern="1200" dirty="0" smtClean="0">
-                <a:solidFill>
-                  <a:schemeClr val="tx1"/>
-                </a:solidFill>
-                <a:latin typeface="+mn-lt"/>
-                <a:ea typeface="+mn-ea"/>
-                <a:cs typeface="+mn-cs"/>
-              </a:rPr>
-              <a:t>a total of 70% of application </a:t>
-            </a:r>
-            <a:r>
-              <a:rPr lang="en-GB" sz="1200" kern="1200" dirty="0" smtClean="0">
-                <a:solidFill>
-                  <a:schemeClr val="tx1"/>
-                </a:solidFill>
-                <a:latin typeface="+mn-lt"/>
-                <a:ea typeface="+mn-ea"/>
-                <a:cs typeface="+mn-cs"/>
-              </a:rPr>
-              <a:t>errors were recorded in comparison to the link name referencing section wherein </a:t>
-            </a:r>
-            <a:r>
-              <a:rPr lang="en-GB" sz="1200" kern="1200" dirty="0" smtClean="0">
-                <a:solidFill>
-                  <a:schemeClr val="tx1"/>
-                </a:solidFill>
-                <a:latin typeface="+mn-lt"/>
-                <a:ea typeface="+mn-ea"/>
-                <a:cs typeface="+mn-cs"/>
-              </a:rPr>
-              <a:t>30%</a:t>
-            </a:r>
-            <a:r>
-              <a:rPr lang="en-GB" sz="1200" kern="1200" baseline="0" dirty="0" smtClean="0">
-                <a:solidFill>
-                  <a:schemeClr val="tx1"/>
-                </a:solidFill>
-                <a:latin typeface="+mn-lt"/>
-                <a:ea typeface="+mn-ea"/>
-                <a:cs typeface="+mn-cs"/>
-              </a:rPr>
-              <a:t> </a:t>
-            </a:r>
-          </a:p>
-          <a:p>
-            <a:pPr marL="0" marR="0" lvl="1" indent="0" algn="l" defTabSz="914400" rtl="0" eaLnBrk="1" fontAlgn="auto" latinLnBrk="0" hangingPunct="1">
-              <a:lnSpc>
-                <a:spcPct val="100000"/>
-              </a:lnSpc>
-              <a:spcBef>
-                <a:spcPts val="0"/>
-              </a:spcBef>
-              <a:spcAft>
-                <a:spcPts val="0"/>
-              </a:spcAft>
-              <a:buClrTx/>
-              <a:buSzTx/>
-              <a:buFont typeface="Arial" pitchFamily="34" charset="0"/>
-              <a:buNone/>
-              <a:tabLst/>
-              <a:defRPr/>
-            </a:pPr>
-            <a:r>
-              <a:rPr lang="en-GB" sz="1200" kern="1200" baseline="0" dirty="0" smtClean="0">
-                <a:solidFill>
-                  <a:schemeClr val="tx1"/>
-                </a:solidFill>
-                <a:latin typeface="+mn-lt"/>
-                <a:ea typeface="+mn-ea"/>
-                <a:cs typeface="+mn-cs"/>
-              </a:rPr>
-              <a:t>  </a:t>
-            </a:r>
-            <a:r>
-              <a:rPr lang="en-GB" sz="1200" kern="1200" dirty="0" smtClean="0">
-                <a:solidFill>
-                  <a:schemeClr val="tx1"/>
-                </a:solidFill>
-                <a:latin typeface="+mn-lt"/>
-                <a:ea typeface="+mn-ea"/>
-                <a:cs typeface="+mn-cs"/>
-              </a:rPr>
-              <a:t>errors were </a:t>
-            </a:r>
-            <a:r>
-              <a:rPr lang="en-GB" sz="1200" kern="1200" dirty="0" smtClean="0">
-                <a:solidFill>
-                  <a:schemeClr val="tx1"/>
-                </a:solidFill>
-                <a:latin typeface="+mn-lt"/>
-                <a:ea typeface="+mn-ea"/>
-                <a:cs typeface="+mn-cs"/>
-              </a:rPr>
-              <a:t>recorded. The high error percentage in the numerical referencing section may be due to the similarities between numbers spoken. </a:t>
-            </a:r>
-            <a:r>
-              <a:rPr lang="en-GB" sz="1200" kern="1200" dirty="0" smtClean="0">
-                <a:solidFill>
-                  <a:schemeClr val="tx1"/>
-                </a:solidFill>
-                <a:latin typeface="+mn-lt"/>
-                <a:ea typeface="+mn-ea"/>
-                <a:cs typeface="+mn-cs"/>
-              </a:rPr>
-              <a:t>Numbers</a:t>
-            </a:r>
-            <a:r>
-              <a:rPr lang="en-GB" sz="1200" kern="1200" baseline="0" dirty="0" smtClean="0">
-                <a:solidFill>
-                  <a:schemeClr val="tx1"/>
-                </a:solidFill>
-                <a:latin typeface="+mn-lt"/>
-                <a:ea typeface="+mn-ea"/>
-                <a:cs typeface="+mn-cs"/>
-              </a:rPr>
-              <a:t>     </a:t>
-            </a:r>
-          </a:p>
-          <a:p>
-            <a:pPr marL="0" marR="0" lvl="1" indent="0" algn="l" defTabSz="914400" rtl="0" eaLnBrk="1" fontAlgn="auto" latinLnBrk="0" hangingPunct="1">
-              <a:lnSpc>
-                <a:spcPct val="100000"/>
-              </a:lnSpc>
-              <a:spcBef>
-                <a:spcPts val="0"/>
-              </a:spcBef>
-              <a:spcAft>
-                <a:spcPts val="0"/>
-              </a:spcAft>
-              <a:buClrTx/>
-              <a:buSzTx/>
-              <a:buFont typeface="Arial" pitchFamily="34" charset="0"/>
-              <a:buNone/>
-              <a:tabLst/>
-              <a:defRPr/>
-            </a:pPr>
-            <a:r>
-              <a:rPr lang="en-GB" sz="1200" kern="1200" baseline="0" dirty="0" smtClean="0">
-                <a:solidFill>
-                  <a:schemeClr val="tx1"/>
-                </a:solidFill>
-                <a:latin typeface="+mn-lt"/>
-                <a:ea typeface="+mn-ea"/>
-                <a:cs typeface="+mn-cs"/>
-              </a:rPr>
-              <a:t>  </a:t>
-            </a:r>
-            <a:r>
-              <a:rPr lang="en-GB" sz="1200" kern="1200" dirty="0" smtClean="0">
-                <a:solidFill>
-                  <a:schemeClr val="tx1"/>
-                </a:solidFill>
-                <a:latin typeface="+mn-lt"/>
-                <a:ea typeface="+mn-ea"/>
-                <a:cs typeface="+mn-cs"/>
-              </a:rPr>
-              <a:t>are </a:t>
-            </a:r>
-            <a:r>
-              <a:rPr lang="en-GB" sz="1200" kern="1200" dirty="0" smtClean="0">
-                <a:solidFill>
-                  <a:schemeClr val="tx1"/>
-                </a:solidFill>
-                <a:latin typeface="+mn-lt"/>
-                <a:ea typeface="+mn-ea"/>
-                <a:cs typeface="+mn-cs"/>
-              </a:rPr>
-              <a:t>short </a:t>
-            </a:r>
-            <a:r>
-              <a:rPr lang="en-GB" sz="1200" kern="1200" dirty="0" smtClean="0">
-                <a:solidFill>
-                  <a:schemeClr val="tx1"/>
-                </a:solidFill>
-                <a:latin typeface="+mn-lt"/>
-                <a:ea typeface="+mn-ea"/>
-                <a:cs typeface="+mn-cs"/>
-              </a:rPr>
-              <a:t>single </a:t>
-            </a:r>
-            <a:r>
-              <a:rPr lang="en-GB" sz="1200" kern="1200" dirty="0" smtClean="0">
-                <a:solidFill>
-                  <a:schemeClr val="tx1"/>
-                </a:solidFill>
-                <a:latin typeface="+mn-lt"/>
-                <a:ea typeface="+mn-ea"/>
-                <a:cs typeface="+mn-cs"/>
-              </a:rPr>
-              <a:t>syllable words that may decrease the accuracy of speech recognition</a:t>
-            </a:r>
-            <a:r>
-              <a:rPr lang="en-GB" sz="1200" kern="1200" dirty="0" smtClean="0">
-                <a:solidFill>
-                  <a:schemeClr val="tx1"/>
-                </a:solidFill>
-                <a:latin typeface="+mn-lt"/>
-                <a:ea typeface="+mn-ea"/>
-                <a:cs typeface="+mn-cs"/>
-              </a:rPr>
-              <a:t>. In addition, numerical</a:t>
+              <a:t>are short single syllable words that may decrease the accuracy of speech recognition. In addition, numerical</a:t>
             </a:r>
             <a:r>
               <a:rPr lang="en-GB" sz="1200" kern="1200" baseline="0" dirty="0" smtClean="0">
@@ -5647,7 +5365,18 @@
                 <a:ea typeface="+mn-ea"/>
                 <a:cs typeface="+mn-cs"/>
               </a:rPr>
-              <a:t> </a:t>
+              <a:t> For user preference</a:t>
+            </a:r>
+            <a:r>
+              <a:rPr lang="en-GB" sz="1200" kern="1200" baseline="0" dirty="0" smtClean="0">
+                <a:solidFill>
+                  <a:schemeClr val="tx1"/>
+                </a:solidFill>
+                <a:latin typeface="+mn-lt"/>
+                <a:ea typeface="+mn-ea"/>
+                <a:cs typeface="+mn-cs"/>
+              </a:rPr>
+              <a:t> between the 2 techniques, </a:t>
             </a:r>
             <a:r>
               <a:rPr lang="en-GB" sz="1200" kern="1200" dirty="0" smtClean="0">
@@ -5658,19 +5387,27 @@
                 <a:ea typeface="+mn-ea"/>
                 <a:cs typeface="+mn-cs"/>
               </a:rPr>
-              <a:t>For user preference</a:t>
-            </a:r>
-            <a:r>
-              <a:rPr lang="en-GB" sz="1200" kern="1200" baseline="0" dirty="0" smtClean="0">
-                <a:solidFill>
-                  <a:schemeClr val="tx1"/>
-                </a:solidFill>
-                <a:latin typeface="+mn-lt"/>
-                <a:ea typeface="+mn-ea"/>
-                <a:cs typeface="+mn-cs"/>
-              </a:rPr>
-              <a:t> between the 2 techniques, </a:t>
-            </a:r>
+              <a:t>57% of users prefer using numerical referencing for simple websites even thou a large number of app </a:t>
+            </a:r>
+          </a:p>
+          <a:p>
+            <a:pPr marL="0" marR="0" lvl="1" indent="0" algn="l" defTabSz="914400" rtl="0" eaLnBrk="1" fontAlgn="auto" latinLnBrk="0" hangingPunct="1">
+              <a:lnSpc>
+                <a:spcPct val="100000"/>
+              </a:lnSpc>
+              <a:spcBef>
+                <a:spcPts val="0"/>
+              </a:spcBef>
+              <a:spcAft>
+                <a:spcPts val="0"/>
+              </a:spcAft>
+              <a:buClrTx/>
+              <a:buSzTx/>
+              <a:buFont typeface="Arial" pitchFamily="34" charset="0"/>
+              <a:buNone/>
+              <a:tabLst/>
+              <a:defRPr/>
+            </a:pPr>
             <a:r>
               <a:rPr lang="en-GB" sz="1200" kern="1200" dirty="0" smtClean="0">
                 <a:solidFill>
@@ -5680,112 +5417,8 @@
                 <a:ea typeface="+mn-ea"/>
                 <a:cs typeface="+mn-cs"/>
               </a:rPr>
-              <a:t>57% </a:t>
-            </a:r>
-            <a:r>
-              <a:rPr lang="en-GB" sz="1200" kern="1200" dirty="0" smtClean="0">
-                <a:solidFill>
-                  <a:schemeClr val="tx1"/>
-                </a:solidFill>
-                <a:latin typeface="+mn-lt"/>
-                <a:ea typeface="+mn-ea"/>
-                <a:cs typeface="+mn-cs"/>
-              </a:rPr>
-              <a:t>of users prefer using numerical referencing for simple </a:t>
-            </a:r>
-            <a:r>
-              <a:rPr lang="en-GB" sz="1200" kern="1200" dirty="0" smtClean="0">
-                <a:solidFill>
-                  <a:schemeClr val="tx1"/>
-                </a:solidFill>
-                <a:latin typeface="+mn-lt"/>
-                <a:ea typeface="+mn-ea"/>
-                <a:cs typeface="+mn-cs"/>
-              </a:rPr>
-              <a:t>websites even thou a large number of app </a:t>
-            </a:r>
-          </a:p>
-          <a:p>
-            <a:pPr marL="0" marR="0" lvl="1" indent="0" algn="l" defTabSz="914400" rtl="0" eaLnBrk="1" fontAlgn="auto" latinLnBrk="0" hangingPunct="1">
-              <a:lnSpc>
-                <a:spcPct val="100000"/>
-              </a:lnSpc>
-              <a:spcBef>
-                <a:spcPts val="0"/>
-              </a:spcBef>
-              <a:spcAft>
-                <a:spcPts val="0"/>
-              </a:spcAft>
-              <a:buClrTx/>
-              <a:buSzTx/>
-              <a:buFont typeface="Arial" pitchFamily="34" charset="0"/>
-              <a:buNone/>
-              <a:tabLst/>
-              <a:defRPr/>
-            </a:pPr>
-            <a:r>
-              <a:rPr lang="en-GB" sz="1200" kern="1200" dirty="0" smtClean="0">
-                <a:solidFill>
-                  <a:schemeClr val="tx1"/>
-                </a:solidFill>
-                <a:latin typeface="+mn-lt"/>
-                <a:ea typeface="+mn-ea"/>
-                <a:cs typeface="+mn-cs"/>
-              </a:rPr>
-              <a:t>  errors were recorded. 29% </a:t>
-            </a:r>
-            <a:r>
-              <a:rPr lang="en-GB" sz="1200" kern="1200" dirty="0" smtClean="0">
-                <a:solidFill>
-                  <a:schemeClr val="tx1"/>
-                </a:solidFill>
-                <a:latin typeface="+mn-lt"/>
-                <a:ea typeface="+mn-ea"/>
-                <a:cs typeface="+mn-cs"/>
-              </a:rPr>
-              <a:t>prefer link name referencing and the remaining </a:t>
-            </a:r>
-            <a:r>
-              <a:rPr lang="en-GB" sz="1200" kern="1200" dirty="0" smtClean="0">
-                <a:solidFill>
-                  <a:schemeClr val="tx1"/>
-                </a:solidFill>
-                <a:latin typeface="+mn-lt"/>
-                <a:ea typeface="+mn-ea"/>
-                <a:cs typeface="+mn-cs"/>
-              </a:rPr>
-              <a:t>14.% </a:t>
-            </a:r>
-            <a:r>
-              <a:rPr lang="en-GB" sz="1200" kern="1200" dirty="0" smtClean="0">
-                <a:solidFill>
-                  <a:schemeClr val="tx1"/>
-                </a:solidFill>
-                <a:latin typeface="+mn-lt"/>
-                <a:ea typeface="+mn-ea"/>
-                <a:cs typeface="+mn-cs"/>
-              </a:rPr>
-              <a:t>are fond of both </a:t>
-            </a:r>
-            <a:r>
-              <a:rPr lang="en-GB" sz="1200" kern="1200" dirty="0" smtClean="0">
-                <a:solidFill>
-                  <a:schemeClr val="tx1"/>
-                </a:solidFill>
-                <a:latin typeface="+mn-lt"/>
-                <a:ea typeface="+mn-ea"/>
-                <a:cs typeface="+mn-cs"/>
-              </a:rPr>
-              <a:t>techniques. </a:t>
-            </a:r>
-            <a:endParaRPr lang="en-GB" sz="1200" kern="1200" dirty="0" smtClean="0">
-              <a:solidFill>
-                <a:schemeClr val="tx1"/>
-              </a:solidFill>
-              <a:latin typeface="+mn-lt"/>
-              <a:ea typeface="+mn-ea"/>
-              <a:cs typeface="+mn-cs"/>
-            </a:endParaRPr>
+              <a:t>  errors were recorded. 29% prefer link name referencing and the remaining 14.% are fond of both techniques. </a:t>
+            </a:r>
           </a:p>
           <a:p>
             <a:pPr marL="0" marR="0" lvl="1" indent="0" algn="l" defTabSz="914400" rtl="0" eaLnBrk="1" fontAlgn="auto" latinLnBrk="0" hangingPunct="1">
@@ -5913,18 +5546,7 @@
                 <a:ea typeface="+mn-ea"/>
                 <a:cs typeface="+mn-cs"/>
               </a:rPr>
-              <a:t> </a:t>
-            </a:r>
-            <a:r>
-              <a:rPr lang="en-GB" sz="1200" kern="1200" dirty="0" smtClean="0">
-                <a:solidFill>
-                  <a:schemeClr val="tx1"/>
-                </a:solidFill>
-                <a:latin typeface="+mn-lt"/>
-                <a:ea typeface="+mn-ea"/>
-                <a:cs typeface="+mn-cs"/>
-              </a:rPr>
-              <a:t>The perceived</a:t>
+              <a:t> The perceived</a:t>
             </a:r>
             <a:r>
               <a:rPr lang="en-GB" sz="1200" kern="1200" baseline="0" dirty="0" smtClean="0">
@@ -5973,51 +5595,7 @@
                 <a:ea typeface="+mn-ea"/>
                 <a:cs typeface="+mn-cs"/>
               </a:rPr>
-              <a:t> 57% </a:t>
-            </a:r>
-            <a:r>
-              <a:rPr lang="en-GB" sz="1200" kern="1200" dirty="0" smtClean="0">
-                <a:solidFill>
-                  <a:schemeClr val="tx1"/>
-                </a:solidFill>
-                <a:latin typeface="+mn-lt"/>
-                <a:ea typeface="+mn-ea"/>
-                <a:cs typeface="+mn-cs"/>
-              </a:rPr>
-              <a:t>of users </a:t>
-            </a:r>
-            <a:r>
-              <a:rPr lang="en-GB" sz="1200" kern="1200" dirty="0" smtClean="0">
-                <a:solidFill>
-                  <a:schemeClr val="tx1"/>
-                </a:solidFill>
-                <a:latin typeface="+mn-lt"/>
-                <a:ea typeface="+mn-ea"/>
-                <a:cs typeface="+mn-cs"/>
-              </a:rPr>
-              <a:t>felt </a:t>
-            </a:r>
-            <a:r>
-              <a:rPr lang="en-GB" sz="1200" kern="1200" dirty="0" smtClean="0">
-                <a:solidFill>
-                  <a:schemeClr val="tx1"/>
-                </a:solidFill>
-                <a:latin typeface="+mn-lt"/>
-                <a:ea typeface="+mn-ea"/>
-                <a:cs typeface="+mn-cs"/>
-              </a:rPr>
-              <a:t>that link name referencing performed </a:t>
-            </a:r>
-            <a:r>
-              <a:rPr lang="en-GB" sz="1200" kern="1200" dirty="0" smtClean="0">
-                <a:solidFill>
-                  <a:schemeClr val="tx1"/>
-                </a:solidFill>
-                <a:latin typeface="+mn-lt"/>
-                <a:ea typeface="+mn-ea"/>
-                <a:cs typeface="+mn-cs"/>
-              </a:rPr>
-              <a:t>better</a:t>
+              <a:t> 57% of users felt that link name referencing performed better</a:t>
             </a:r>
             <a:r>
               <a:rPr lang="en-GB" sz="1200" kern="1200" baseline="0" dirty="0" smtClean="0">
@@ -6445,14 +6023,7 @@
                 <a:latin typeface="Arial" pitchFamily="34" charset="0"/>
                 <a:cs typeface="Arial" pitchFamily="34" charset="0"/>
               </a:rPr>
-              <a:t> </a:t>
-            </a:r>
-            <a:r>
-              <a:rPr lang="en-US" sz="2800" dirty="0" smtClean="0">
-                <a:latin typeface="Arial" pitchFamily="34" charset="0"/>
-                <a:cs typeface="Arial" pitchFamily="34" charset="0"/>
-              </a:rPr>
-              <a:t>For the perceived performance in it 2, </a:t>
+              <a:t> For the perceived performance in it 2, </a:t>
             </a:r>
             <a:r>
               <a:rPr lang="en-GB" sz="1200" kern="1200" dirty="0" smtClean="0">
@@ -6463,7 +6034,18 @@
                 <a:ea typeface="+mn-ea"/>
                 <a:cs typeface="+mn-cs"/>
               </a:rPr>
-              <a:t>although </a:t>
+              <a:t>although 60% of users prefer numerical, none of the users felt that it performed</a:t>
+            </a:r>
+            <a:r>
+              <a:rPr lang="en-GB" sz="1200" kern="1200" baseline="0" dirty="0" smtClean="0">
+                <a:solidFill>
+                  <a:schemeClr val="tx1"/>
+                </a:solidFill>
+                <a:latin typeface="+mn-lt"/>
+                <a:ea typeface="+mn-ea"/>
+                <a:cs typeface="+mn-cs"/>
+              </a:rPr>
+              <a:t> well. However </a:t>
             </a:r>
             <a:r>
               <a:rPr lang="en-GB" sz="1200" kern="1200" dirty="0" smtClean="0">
@@ -6474,7 +6056,48 @@
                 <a:ea typeface="+mn-ea"/>
                 <a:cs typeface="+mn-cs"/>
               </a:rPr>
-              <a:t>60% of users prefer numerical, </a:t>
+              <a:t>60% of users </a:t>
+            </a:r>
+            <a:r>
+              <a:rPr lang="en-GB" sz="1200" kern="1200" baseline="0" dirty="0" smtClean="0">
+                <a:solidFill>
+                  <a:schemeClr val="tx1"/>
+                </a:solidFill>
+                <a:latin typeface="+mn-lt"/>
+                <a:ea typeface="+mn-ea"/>
+                <a:cs typeface="+mn-cs"/>
+              </a:rPr>
+              <a:t>  </a:t>
+            </a:r>
+          </a:p>
+          <a:p>
+            <a:pPr marL="0" marR="0" lvl="1" indent="0" algn="l" defTabSz="914400" rtl="0" eaLnBrk="1" fontAlgn="auto" latinLnBrk="0" hangingPunct="1">
+              <a:lnSpc>
+                <a:spcPct val="100000"/>
+              </a:lnSpc>
+              <a:spcBef>
+                <a:spcPts val="0"/>
+              </a:spcBef>
+              <a:spcAft>
+                <a:spcPts val="0"/>
+              </a:spcAft>
+              <a:buClrTx/>
+              <a:buSzTx/>
+              <a:buFont typeface="Arial" pitchFamily="34" charset="0"/>
+              <a:buNone/>
+              <a:tabLst/>
+              <a:defRPr/>
+            </a:pPr>
+            <a:r>
+              <a:rPr lang="en-GB" sz="1200" kern="1200" baseline="0" dirty="0" smtClean="0">
+                <a:solidFill>
+                  <a:schemeClr val="tx1"/>
+                </a:solidFill>
+                <a:latin typeface="+mn-lt"/>
+                <a:ea typeface="+mn-ea"/>
+                <a:cs typeface="+mn-cs"/>
+              </a:rPr>
+              <a:t>  </a:t>
             </a:r>
             <a:r>
               <a:rPr lang="en-GB" sz="1200" kern="1200" dirty="0" smtClean="0">
@@ -6485,7 +6108,7 @@
                 <a:ea typeface="+mn-ea"/>
                 <a:cs typeface="+mn-cs"/>
               </a:rPr>
-              <a:t>none of the users felt that it performed</a:t>
+              <a:t>actually felt that link name referencing performed the best and the remaining 40% thought both techniques</a:t>
             </a:r>
             <a:r>
               <a:rPr lang="en-GB" sz="1200" kern="1200" baseline="0" dirty="0" smtClean="0">
@@ -6496,7 +6119,7 @@
                 <a:ea typeface="+mn-ea"/>
                 <a:cs typeface="+mn-cs"/>
               </a:rPr>
-              <a:t> well. However </a:t>
+              <a:t> performed well.</a:t>
             </a:r>
             <a:r>
               <a:rPr lang="en-GB" sz="1200" kern="1200" dirty="0" smtClean="0">
@@ -6507,7 +6130,37 @@
                 <a:ea typeface="+mn-ea"/>
                 <a:cs typeface="+mn-cs"/>
               </a:rPr>
-              <a:t>60</a:t>
+              <a:t> </a:t>
+            </a:r>
+          </a:p>
+          <a:p>
+            <a:pPr marL="0" marR="0" lvl="1" indent="0" algn="l" defTabSz="914400" rtl="0" eaLnBrk="1" fontAlgn="auto" latinLnBrk="0" hangingPunct="1">
+              <a:lnSpc>
+                <a:spcPct val="100000"/>
+              </a:lnSpc>
+              <a:spcBef>
+                <a:spcPts val="0"/>
+              </a:spcBef>
+              <a:spcAft>
+                <a:spcPts val="0"/>
+              </a:spcAft>
+              <a:buClrTx/>
+              <a:buSzTx/>
+              <a:buFont typeface="Arial" pitchFamily="34" charset="0"/>
+              <a:buChar char="•"/>
+              <a:tabLst/>
+              <a:defRPr/>
+            </a:pPr>
+            <a:r>
+              <a:rPr lang="en-GB" sz="1200" kern="1200" baseline="0" dirty="0" smtClean="0">
+                <a:solidFill>
+                  <a:schemeClr val="tx1"/>
+                </a:solidFill>
+                <a:latin typeface="+mn-lt"/>
+                <a:ea typeface="+mn-ea"/>
+                <a:cs typeface="+mn-cs"/>
+              </a:rPr>
+              <a:t> </a:t>
             </a:r>
             <a:r>
               <a:rPr lang="en-GB" sz="1200" kern="1200" dirty="0" smtClean="0">
@@ -6518,7 +6171,7 @@
                 <a:ea typeface="+mn-ea"/>
                 <a:cs typeface="+mn-cs"/>
               </a:rPr>
-              <a:t>% of users </a:t>
+              <a:t>For link name referencing, different techniques for accessing links was,</a:t>
             </a:r>
             <a:r>
               <a:rPr lang="en-GB" sz="1200" kern="1200" baseline="0" dirty="0" smtClean="0">
@@ -6529,7 +6182,7 @@
                 <a:ea typeface="+mn-ea"/>
                 <a:cs typeface="+mn-cs"/>
               </a:rPr>
-              <a:t>  </a:t>
+              <a:t> i.e. Saying a particular word, the part of a sentence or link or the complete link. </a:t>
             </a:r>
           </a:p>
           <a:p>
@@ -6570,7 +6223,18 @@
                 <a:ea typeface="+mn-ea"/>
                 <a:cs typeface="+mn-cs"/>
               </a:rPr>
-              <a:t>actually </a:t>
+              <a:t>80% of users prefer saying a specific word in comparison to the remaining 20% whom prefer saying the complete sentence. None of the users preferred </a:t>
+            </a:r>
+            <a:r>
+              <a:rPr lang="en-GB" sz="1200" kern="1200" baseline="0" dirty="0" smtClean="0">
+                <a:solidFill>
+                  <a:schemeClr val="tx1"/>
+                </a:solidFill>
+                <a:latin typeface="+mn-lt"/>
+                <a:ea typeface="+mn-ea"/>
+                <a:cs typeface="+mn-cs"/>
+              </a:rPr>
+              <a:t>   </a:t>
             </a:r>
             <a:r>
               <a:rPr lang="en-GB" sz="1200" kern="1200" dirty="0" smtClean="0">
@@ -6581,210 +6245,7 @@
                 <a:ea typeface="+mn-ea"/>
                 <a:cs typeface="+mn-cs"/>
               </a:rPr>
-              <a:t>felt that link name referencing performed </a:t>
-            </a:r>
-            <a:r>
-              <a:rPr lang="en-GB" sz="1200" kern="1200" dirty="0" smtClean="0">
-                <a:solidFill>
-                  <a:schemeClr val="tx1"/>
-                </a:solidFill>
-                <a:latin typeface="+mn-lt"/>
-                <a:ea typeface="+mn-ea"/>
-                <a:cs typeface="+mn-cs"/>
-              </a:rPr>
-              <a:t>the best and the remaining 40% thought both techniques</a:t>
-            </a:r>
-            <a:r>
-              <a:rPr lang="en-GB" sz="1200" kern="1200" baseline="0" dirty="0" smtClean="0">
-                <a:solidFill>
-                  <a:schemeClr val="tx1"/>
-                </a:solidFill>
-                <a:latin typeface="+mn-lt"/>
-                <a:ea typeface="+mn-ea"/>
-                <a:cs typeface="+mn-cs"/>
-              </a:rPr>
-              <a:t> performed well.</a:t>
-            </a:r>
-            <a:r>
-              <a:rPr lang="en-GB" sz="1200" kern="1200" dirty="0" smtClean="0">
-                <a:solidFill>
-                  <a:schemeClr val="tx1"/>
-                </a:solidFill>
-                <a:latin typeface="+mn-lt"/>
-                <a:ea typeface="+mn-ea"/>
-                <a:cs typeface="+mn-cs"/>
-              </a:rPr>
-              <a:t> </a:t>
-            </a:r>
-          </a:p>
-          <a:p>
-            <a:pPr marL="0" marR="0" lvl="1" indent="0" algn="l" defTabSz="914400" rtl="0" eaLnBrk="1" fontAlgn="auto" latinLnBrk="0" hangingPunct="1">
-              <a:lnSpc>
-                <a:spcPct val="100000"/>
-              </a:lnSpc>
-              <a:spcBef>
-                <a:spcPts val="0"/>
-              </a:spcBef>
-              <a:spcAft>
-                <a:spcPts val="0"/>
-              </a:spcAft>
-              <a:buClrTx/>
-              <a:buSzTx/>
-              <a:buFont typeface="Arial" pitchFamily="34" charset="0"/>
-              <a:buChar char="•"/>
-              <a:tabLst/>
-              <a:defRPr/>
-            </a:pPr>
-            <a:r>
-              <a:rPr lang="en-GB" sz="1200" kern="1200" baseline="0" dirty="0" smtClean="0">
-                <a:solidFill>
-                  <a:schemeClr val="tx1"/>
-                </a:solidFill>
-                <a:latin typeface="+mn-lt"/>
-                <a:ea typeface="+mn-ea"/>
-                <a:cs typeface="+mn-cs"/>
-              </a:rPr>
-              <a:t> </a:t>
-            </a:r>
-            <a:r>
-              <a:rPr lang="en-GB" sz="1200" kern="1200" dirty="0" smtClean="0">
-                <a:solidFill>
-                  <a:schemeClr val="tx1"/>
-                </a:solidFill>
-                <a:latin typeface="+mn-lt"/>
-                <a:ea typeface="+mn-ea"/>
-                <a:cs typeface="+mn-cs"/>
-              </a:rPr>
-              <a:t>For </a:t>
-            </a:r>
-            <a:r>
-              <a:rPr lang="en-GB" sz="1200" kern="1200" dirty="0" smtClean="0">
-                <a:solidFill>
-                  <a:schemeClr val="tx1"/>
-                </a:solidFill>
-                <a:latin typeface="+mn-lt"/>
-                <a:ea typeface="+mn-ea"/>
-                <a:cs typeface="+mn-cs"/>
-              </a:rPr>
-              <a:t>link name referencing, </a:t>
-            </a:r>
-            <a:r>
-              <a:rPr lang="en-GB" sz="1200" kern="1200" dirty="0" smtClean="0">
-                <a:solidFill>
-                  <a:schemeClr val="tx1"/>
-                </a:solidFill>
-                <a:latin typeface="+mn-lt"/>
-                <a:ea typeface="+mn-ea"/>
-                <a:cs typeface="+mn-cs"/>
-              </a:rPr>
-              <a:t>different techniques for accessing links was,</a:t>
-            </a:r>
-            <a:r>
-              <a:rPr lang="en-GB" sz="1200" kern="1200" baseline="0" dirty="0" smtClean="0">
-                <a:solidFill>
-                  <a:schemeClr val="tx1"/>
-                </a:solidFill>
-                <a:latin typeface="+mn-lt"/>
-                <a:ea typeface="+mn-ea"/>
-                <a:cs typeface="+mn-cs"/>
-              </a:rPr>
-              <a:t> i.e. Saying a particular word, the part of a sentence or link or the complete link. </a:t>
-            </a:r>
-          </a:p>
-          <a:p>
-            <a:pPr marL="0" marR="0" lvl="1" indent="0" algn="l" defTabSz="914400" rtl="0" eaLnBrk="1" fontAlgn="auto" latinLnBrk="0" hangingPunct="1">
-              <a:lnSpc>
-                <a:spcPct val="100000"/>
-              </a:lnSpc>
-              <a:spcBef>
-                <a:spcPts val="0"/>
-              </a:spcBef>
-              <a:spcAft>
-                <a:spcPts val="0"/>
-              </a:spcAft>
-              <a:buClrTx/>
-              <a:buSzTx/>
-              <a:buFont typeface="Arial" pitchFamily="34" charset="0"/>
-              <a:buNone/>
-              <a:tabLst/>
-              <a:defRPr/>
-            </a:pPr>
-            <a:r>
-              <a:rPr lang="en-GB" sz="1200" kern="1200" baseline="0" dirty="0" smtClean="0">
-                <a:solidFill>
-                  <a:schemeClr val="tx1"/>
-                </a:solidFill>
-                <a:latin typeface="+mn-lt"/>
-                <a:ea typeface="+mn-ea"/>
-                <a:cs typeface="+mn-cs"/>
-              </a:rPr>
-              <a:t>  </a:t>
-            </a:r>
-            <a:r>
-              <a:rPr lang="en-GB" sz="1200" kern="1200" dirty="0" smtClean="0">
-                <a:solidFill>
-                  <a:schemeClr val="tx1"/>
-                </a:solidFill>
-                <a:latin typeface="+mn-lt"/>
-                <a:ea typeface="+mn-ea"/>
-                <a:cs typeface="+mn-cs"/>
-              </a:rPr>
-              <a:t>80</a:t>
-            </a:r>
-            <a:r>
-              <a:rPr lang="en-GB" sz="1200" kern="1200" dirty="0" smtClean="0">
-                <a:solidFill>
-                  <a:schemeClr val="tx1"/>
-                </a:solidFill>
-                <a:latin typeface="+mn-lt"/>
-                <a:ea typeface="+mn-ea"/>
-                <a:cs typeface="+mn-cs"/>
-              </a:rPr>
-              <a:t>% of users prefer saying a specific word in comparison to the remaining 20% whom prefer saying the complete sentence. None of the users preferred </a:t>
-            </a:r>
-            <a:r>
-              <a:rPr lang="en-GB" sz="1200" kern="1200" baseline="0" dirty="0" smtClean="0">
-                <a:solidFill>
-                  <a:schemeClr val="tx1"/>
-                </a:solidFill>
-                <a:latin typeface="+mn-lt"/>
-                <a:ea typeface="+mn-ea"/>
-                <a:cs typeface="+mn-cs"/>
-              </a:rPr>
-              <a:t>   </a:t>
-            </a:r>
-            <a:r>
-              <a:rPr lang="en-GB" sz="1200" kern="1200" dirty="0" smtClean="0">
-                <a:solidFill>
-                  <a:schemeClr val="tx1"/>
-                </a:solidFill>
-                <a:latin typeface="+mn-lt"/>
-                <a:ea typeface="+mn-ea"/>
-                <a:cs typeface="+mn-cs"/>
-              </a:rPr>
-              <a:t>saying </a:t>
-            </a:r>
-            <a:r>
-              <a:rPr lang="en-GB" sz="1200" kern="1200" dirty="0" smtClean="0">
-                <a:solidFill>
-                  <a:schemeClr val="tx1"/>
-                </a:solidFill>
-                <a:latin typeface="+mn-lt"/>
-                <a:ea typeface="+mn-ea"/>
-                <a:cs typeface="+mn-cs"/>
-              </a:rPr>
-              <a:t>part of a </a:t>
-            </a:r>
-            <a:r>
-              <a:rPr lang="en-GB" sz="1200" kern="1200" dirty="0" smtClean="0">
-                <a:solidFill>
-                  <a:schemeClr val="tx1"/>
-                </a:solidFill>
-                <a:latin typeface="+mn-lt"/>
-                <a:ea typeface="+mn-ea"/>
-                <a:cs typeface="+mn-cs"/>
-              </a:rPr>
-              <a:t>link. </a:t>
+              <a:t>saying part of a link. </a:t>
             </a:r>
             <a:endParaRPr lang="en-GB" dirty="0"/>
           </a:p>
@@ -6890,14 +6351,7 @@
                 <a:latin typeface="Arial" pitchFamily="34" charset="0"/>
                 <a:cs typeface="Arial" pitchFamily="34" charset="0"/>
               </a:rPr>
-              <a:t> </a:t>
-            </a:r>
-            <a:r>
-              <a:rPr lang="en-US" sz="2800" dirty="0" smtClean="0">
-                <a:latin typeface="Arial" pitchFamily="34" charset="0"/>
-                <a:cs typeface="Arial" pitchFamily="34" charset="0"/>
-              </a:rPr>
-              <a:t>In it 3, f</a:t>
+              <a:t> In it 3, f</a:t>
             </a:r>
             <a:r>
               <a:rPr lang="en-GB" sz="1200" kern="1200" dirty="0" smtClean="0">
@@ -6908,51 +6362,7 @@
                 <a:ea typeface="+mn-ea"/>
                 <a:cs typeface="+mn-cs"/>
               </a:rPr>
-              <a:t>or </a:t>
-            </a:r>
-            <a:r>
-              <a:rPr lang="en-GB" sz="1200" kern="1200" dirty="0" smtClean="0">
-                <a:solidFill>
-                  <a:schemeClr val="tx1"/>
-                </a:solidFill>
-                <a:latin typeface="+mn-lt"/>
-                <a:ea typeface="+mn-ea"/>
-                <a:cs typeface="+mn-cs"/>
-              </a:rPr>
-              <a:t>the application errors recorded, </a:t>
-            </a:r>
-            <a:r>
-              <a:rPr lang="en-GB" sz="1200" kern="1200" dirty="0" smtClean="0">
-                <a:solidFill>
-                  <a:schemeClr val="tx1"/>
-                </a:solidFill>
-                <a:latin typeface="+mn-lt"/>
-                <a:ea typeface="+mn-ea"/>
-                <a:cs typeface="+mn-cs"/>
-              </a:rPr>
-              <a:t>54% </a:t>
-            </a:r>
-            <a:r>
-              <a:rPr lang="en-GB" sz="1200" kern="1200" dirty="0" smtClean="0">
-                <a:solidFill>
-                  <a:schemeClr val="tx1"/>
-                </a:solidFill>
-                <a:latin typeface="+mn-lt"/>
-                <a:ea typeface="+mn-ea"/>
-                <a:cs typeface="+mn-cs"/>
-              </a:rPr>
-              <a:t>of errors was recorded for link name </a:t>
-            </a:r>
-            <a:r>
-              <a:rPr lang="en-GB" sz="1200" kern="1200" dirty="0" smtClean="0">
-                <a:solidFill>
-                  <a:schemeClr val="tx1"/>
-                </a:solidFill>
-                <a:latin typeface="+mn-lt"/>
-                <a:ea typeface="+mn-ea"/>
-                <a:cs typeface="+mn-cs"/>
-              </a:rPr>
-              <a:t>referencing,</a:t>
+              <a:t>or the application errors recorded, 54% of errors was recorded for link name referencing,</a:t>
             </a:r>
             <a:r>
               <a:rPr lang="en-GB" sz="1200" kern="1200" baseline="0" dirty="0" smtClean="0">
@@ -7042,7 +6452,37 @@
                 <a:ea typeface="+mn-ea"/>
                 <a:cs typeface="+mn-cs"/>
               </a:rPr>
-              <a:t>Between the </a:t>
+              <a:t>Between the 2 website versions, 50% of users prefer using numerical referencing and the other 50% of users prefer link name referencing.</a:t>
+            </a:r>
+          </a:p>
+          <a:p>
+            <a:pPr marL="0" marR="0" lvl="1" indent="0" algn="l" defTabSz="914400" rtl="0" eaLnBrk="1" fontAlgn="auto" latinLnBrk="0" hangingPunct="1">
+              <a:lnSpc>
+                <a:spcPct val="100000"/>
+              </a:lnSpc>
+              <a:spcBef>
+                <a:spcPts val="0"/>
+              </a:spcBef>
+              <a:spcAft>
+                <a:spcPts val="0"/>
+              </a:spcAft>
+              <a:buClrTx/>
+              <a:buSzTx/>
+              <a:buFont typeface="Arial" pitchFamily="34" charset="0"/>
+              <a:buChar char="•"/>
+              <a:tabLst/>
+              <a:defRPr/>
+            </a:pPr>
+            <a:r>
+              <a:rPr lang="en-ZA" sz="1200" kern="1200" dirty="0" smtClean="0">
+                <a:solidFill>
+                  <a:schemeClr val="tx1"/>
+                </a:solidFill>
+                <a:latin typeface="+mn-lt"/>
+                <a:ea typeface="+mn-ea"/>
+                <a:cs typeface="+mn-cs"/>
+              </a:rPr>
+              <a:t> </a:t>
             </a:r>
             <a:r>
               <a:rPr lang="en-GB" sz="1200" kern="1200" dirty="0" smtClean="0">
@@ -7053,8 +6493,27 @@
                 <a:ea typeface="+mn-ea"/>
                 <a:cs typeface="+mn-cs"/>
               </a:rPr>
-              <a:t>2 website </a:t>
-            </a:r>
+              <a:t>Users were asked if it was unreasonable to expect elderly users to press a button to activate speech recognition. 50% of users felt that is was unreasonable </a:t>
+            </a:r>
+          </a:p>
+          <a:p>
+            <a:pPr marL="0" marR="0" lvl="1" indent="0" algn="l" defTabSz="914400" rtl="0" eaLnBrk="1" fontAlgn="auto" latinLnBrk="0" hangingPunct="1">
+              <a:lnSpc>
+                <a:spcPct val="100000"/>
+              </a:lnSpc>
+              <a:spcBef>
+                <a:spcPts val="0"/>
+              </a:spcBef>
+              <a:spcAft>
+                <a:spcPts val="0"/>
+              </a:spcAft>
+              <a:buClrTx/>
+              <a:buSzTx/>
+              <a:buFont typeface="Arial" pitchFamily="34" charset="0"/>
+              <a:buNone/>
+              <a:tabLst/>
+              <a:defRPr/>
+            </a:pPr>
             <a:r>
               <a:rPr lang="en-GB" sz="1200" kern="1200" dirty="0" smtClean="0">
                 <a:solidFill>
@@ -7064,7 +6523,7 @@
                 <a:ea typeface="+mn-ea"/>
                 <a:cs typeface="+mn-cs"/>
               </a:rPr>
-              <a:t>versions, 50% of users prefer using numerical referencing and the other 50% of users prefer link name referencing.</a:t>
+              <a:t>  and the other 50% thought it was an acceptable requirement. This requirement is still debatable. </a:t>
             </a:r>
           </a:p>
           <a:p>
@@ -7105,122 +6564,7 @@
                 <a:ea typeface="+mn-ea"/>
                 <a:cs typeface="+mn-cs"/>
               </a:rPr>
-              <a:t>Users were asked if it was unreasonable to expect elderly users to press a button to activate speech recognition. 50% of users felt that is was unreasonable </a:t>
-            </a:r>
-          </a:p>
-          <a:p>
-            <a:pPr marL="0" marR="0" lvl="1" indent="0" algn="l" defTabSz="914400" rtl="0" eaLnBrk="1" fontAlgn="auto" latinLnBrk="0" hangingPunct="1">
-              <a:lnSpc>
-                <a:spcPct val="100000"/>
-              </a:lnSpc>
-              <a:spcBef>
-                <a:spcPts val="0"/>
-              </a:spcBef>
-              <a:spcAft>
-                <a:spcPts val="0"/>
-              </a:spcAft>
-              <a:buClrTx/>
-              <a:buSzTx/>
-              <a:buFont typeface="Arial" pitchFamily="34" charset="0"/>
-              <a:buNone/>
-              <a:tabLst/>
-              <a:defRPr/>
-            </a:pPr>
-            <a:r>
-              <a:rPr lang="en-GB" sz="1200" kern="1200" dirty="0" smtClean="0">
-                <a:solidFill>
-                  <a:schemeClr val="tx1"/>
-                </a:solidFill>
-                <a:latin typeface="+mn-lt"/>
-                <a:ea typeface="+mn-ea"/>
-                <a:cs typeface="+mn-cs"/>
-              </a:rPr>
-              <a:t>  and the other 50% thought it was an acceptable requirement. This requirement is still debatable. </a:t>
-            </a:r>
-          </a:p>
-          <a:p>
-            <a:pPr marL="0" marR="0" lvl="1" indent="0" algn="l" defTabSz="914400" rtl="0" eaLnBrk="1" fontAlgn="auto" latinLnBrk="0" hangingPunct="1">
-              <a:lnSpc>
-                <a:spcPct val="100000"/>
-              </a:lnSpc>
-              <a:spcBef>
-                <a:spcPts val="0"/>
-              </a:spcBef>
-              <a:spcAft>
-                <a:spcPts val="0"/>
-              </a:spcAft>
-              <a:buClrTx/>
-              <a:buSzTx/>
-              <a:buFont typeface="Arial" pitchFamily="34" charset="0"/>
-              <a:buChar char="•"/>
-              <a:tabLst/>
-              <a:defRPr/>
-            </a:pPr>
-            <a:r>
-              <a:rPr lang="en-ZA" sz="1200" kern="1200" dirty="0" smtClean="0">
-                <a:solidFill>
-                  <a:schemeClr val="tx1"/>
-                </a:solidFill>
-                <a:latin typeface="+mn-lt"/>
-                <a:ea typeface="+mn-ea"/>
-                <a:cs typeface="+mn-cs"/>
-              </a:rPr>
-              <a:t> </a:t>
-            </a:r>
-            <a:r>
-              <a:rPr lang="en-GB" sz="1200" kern="1200" dirty="0" smtClean="0">
-                <a:solidFill>
-                  <a:schemeClr val="tx1"/>
-                </a:solidFill>
-                <a:latin typeface="+mn-lt"/>
-                <a:ea typeface="+mn-ea"/>
-                <a:cs typeface="+mn-cs"/>
-              </a:rPr>
-              <a:t>Users were questioned to ascertain if user confirmation was necessary and </a:t>
-            </a:r>
-            <a:r>
-              <a:rPr lang="en-GB" sz="1200" kern="1200" dirty="0" smtClean="0">
-                <a:solidFill>
-                  <a:schemeClr val="tx1"/>
-                </a:solidFill>
-                <a:latin typeface="+mn-lt"/>
-                <a:ea typeface="+mn-ea"/>
-                <a:cs typeface="+mn-cs"/>
-              </a:rPr>
-              <a:t>63% </a:t>
-            </a:r>
-            <a:r>
-              <a:rPr lang="en-GB" sz="1200" kern="1200" dirty="0" smtClean="0">
-                <a:solidFill>
-                  <a:schemeClr val="tx1"/>
-                </a:solidFill>
-                <a:latin typeface="+mn-lt"/>
-                <a:ea typeface="+mn-ea"/>
-                <a:cs typeface="+mn-cs"/>
-              </a:rPr>
-              <a:t>of users felt that it was not necessary. The remaining </a:t>
-            </a:r>
-            <a:r>
-              <a:rPr lang="en-GB" sz="1200" kern="1200" dirty="0" smtClean="0">
-                <a:solidFill>
-                  <a:schemeClr val="tx1"/>
-                </a:solidFill>
-                <a:latin typeface="+mn-lt"/>
-                <a:ea typeface="+mn-ea"/>
-                <a:cs typeface="+mn-cs"/>
-              </a:rPr>
-              <a:t>37% </a:t>
-            </a:r>
-            <a:r>
-              <a:rPr lang="en-GB" sz="1200" kern="1200" dirty="0" smtClean="0">
-                <a:solidFill>
-                  <a:schemeClr val="tx1"/>
-                </a:solidFill>
-                <a:latin typeface="+mn-lt"/>
-                <a:ea typeface="+mn-ea"/>
-                <a:cs typeface="+mn-cs"/>
-              </a:rPr>
-              <a:t>felt that </a:t>
+              <a:t>Users were questioned to ascertain if user confirmation was necessary and 63% of users felt that it was not necessary. The remaining 37% felt that </a:t>
             </a:r>
             <a:r>
               <a:rPr lang="en-GB" sz="1200" kern="1200" baseline="0" dirty="0" smtClean="0">
@@ -7492,8 +6836,27 @@
                 <a:ea typeface="+mn-ea"/>
                 <a:cs typeface="+mn-cs"/>
               </a:rPr>
-              <a:t>The </a:t>
-            </a:r>
+              <a:t>The number of application errors between males and females were calculated. For each iteration the number of male and female users tested was recorded. Thereafter for each iteration, the total application errors for each gender was totalled and divided by the number of males and females respectively. </a:t>
+            </a:r>
+          </a:p>
+          <a:p>
+            <a:pPr marL="0" marR="0" lvl="1" indent="0" algn="l" defTabSz="914400" rtl="0" eaLnBrk="1" fontAlgn="auto" latinLnBrk="0" hangingPunct="1">
+              <a:lnSpc>
+                <a:spcPct val="100000"/>
+              </a:lnSpc>
+              <a:spcBef>
+                <a:spcPts val="0"/>
+              </a:spcBef>
+              <a:spcAft>
+                <a:spcPts val="0"/>
+              </a:spcAft>
+              <a:buClrTx/>
+              <a:buSzTx/>
+              <a:buFont typeface="Arial" pitchFamily="34" charset="0"/>
+              <a:buChar char="•"/>
+              <a:tabLst/>
+              <a:defRPr/>
+            </a:pPr>
             <a:r>
               <a:rPr lang="en-GB" sz="1200" kern="1200" dirty="0" smtClean="0">
                 <a:solidFill>
@@ -7503,56 +6866,7 @@
                 <a:ea typeface="+mn-ea"/>
                 <a:cs typeface="+mn-cs"/>
               </a:rPr>
-              <a:t>number of application errors between males and females were calculated. For each iteration the number of male and female users tested was recorded. Thereafter for each iteration, the total application errors for each gender was totalled and divided by the number of males and females respectively. </a:t>
-            </a:r>
-            <a:endParaRPr lang="en-GB" sz="1200" kern="1200" dirty="0" smtClean="0">
-              <a:solidFill>
-                <a:schemeClr val="tx1"/>
-              </a:solidFill>
-              <a:latin typeface="+mn-lt"/>
-              <a:ea typeface="+mn-ea"/>
-              <a:cs typeface="+mn-cs"/>
-            </a:endParaRPr>
-          </a:p>
-          <a:p>
-            <a:pPr marL="0" marR="0" lvl="1" indent="0" algn="l" defTabSz="914400" rtl="0" eaLnBrk="1" fontAlgn="auto" latinLnBrk="0" hangingPunct="1">
-              <a:lnSpc>
-                <a:spcPct val="100000"/>
-              </a:lnSpc>
-              <a:spcBef>
-                <a:spcPts val="0"/>
-              </a:spcBef>
-              <a:spcAft>
-                <a:spcPts val="0"/>
-              </a:spcAft>
-              <a:buClrTx/>
-              <a:buSzTx/>
-              <a:buFont typeface="Arial" pitchFamily="34" charset="0"/>
-              <a:buChar char="•"/>
-              <a:tabLst/>
-              <a:defRPr/>
-            </a:pPr>
-            <a:r>
-              <a:rPr lang="en-GB" sz="1200" kern="1200" dirty="0" smtClean="0">
-                <a:solidFill>
-                  <a:schemeClr val="tx1"/>
-                </a:solidFill>
-                <a:latin typeface="+mn-lt"/>
-                <a:ea typeface="+mn-ea"/>
-                <a:cs typeface="+mn-cs"/>
-              </a:rPr>
-              <a:t> From </a:t>
-            </a:r>
-            <a:r>
-              <a:rPr lang="en-GB" sz="1200" kern="1200" dirty="0" smtClean="0">
-                <a:solidFill>
-                  <a:schemeClr val="tx1"/>
-                </a:solidFill>
-                <a:latin typeface="+mn-lt"/>
-                <a:ea typeface="+mn-ea"/>
-                <a:cs typeface="+mn-cs"/>
-              </a:rPr>
-              <a:t>the figure</a:t>
+              <a:t> From the figure</a:t>
             </a:r>
             <a:r>
               <a:rPr lang="en-GB" sz="1200" kern="1200" baseline="0" dirty="0" smtClean="0">
@@ -7736,7 +7050,37 @@
                 <a:ea typeface="+mn-ea"/>
                 <a:cs typeface="+mn-cs"/>
               </a:rPr>
-              <a:t>sers </a:t>
+              <a:t>sers were further categorised into age groups. Three age groups were defined: 55-65, 65-75 and 75-85 year olds. Application errors were tallied for each age group and divided by the number of users within that group and within each iteration. </a:t>
+            </a:r>
+          </a:p>
+          <a:p>
+            <a:pPr marL="0" marR="0" lvl="1" indent="0" algn="l" defTabSz="914400" rtl="0" eaLnBrk="1" fontAlgn="auto" latinLnBrk="0" hangingPunct="1">
+              <a:lnSpc>
+                <a:spcPct val="100000"/>
+              </a:lnSpc>
+              <a:spcBef>
+                <a:spcPts val="0"/>
+              </a:spcBef>
+              <a:spcAft>
+                <a:spcPts val="0"/>
+              </a:spcAft>
+              <a:buClrTx/>
+              <a:buSzTx/>
+              <a:buFont typeface="Arial" pitchFamily="34" charset="0"/>
+              <a:buChar char="•"/>
+              <a:tabLst/>
+              <a:defRPr/>
+            </a:pPr>
+            <a:r>
+              <a:rPr lang="en-GB" sz="1200" kern="1200" baseline="0" dirty="0" smtClean="0">
+                <a:solidFill>
+                  <a:schemeClr val="tx1"/>
+                </a:solidFill>
+                <a:latin typeface="+mn-lt"/>
+                <a:ea typeface="+mn-ea"/>
+                <a:cs typeface="+mn-cs"/>
+              </a:rPr>
+              <a:t> </a:t>
             </a:r>
             <a:r>
               <a:rPr lang="en-GB" sz="1200" kern="1200" dirty="0" smtClean="0">
@@ -7747,35 +7091,8 @@
                 <a:ea typeface="+mn-ea"/>
                 <a:cs typeface="+mn-cs"/>
               </a:rPr>
-              <a:t>were further categorised into age groups. Three age groups were defined: 55-65, 65-75 and 75-85 year olds. Application errors were tallied for each age group and divided by the number of users within that group and within each iteration. </a:t>
-            </a:r>
-            <a:endParaRPr lang="en-GB" sz="1200" kern="1200" dirty="0" smtClean="0">
-              <a:solidFill>
-                <a:schemeClr val="tx1"/>
-              </a:solidFill>
-              <a:latin typeface="+mn-lt"/>
-              <a:ea typeface="+mn-ea"/>
-              <a:cs typeface="+mn-cs"/>
-            </a:endParaRPr>
-          </a:p>
-          <a:p>
-            <a:pPr marL="0" marR="0" lvl="1" indent="0" algn="l" defTabSz="914400" rtl="0" eaLnBrk="1" fontAlgn="auto" latinLnBrk="0" hangingPunct="1">
-              <a:lnSpc>
-                <a:spcPct val="100000"/>
-              </a:lnSpc>
-              <a:spcBef>
-                <a:spcPts val="0"/>
-              </a:spcBef>
-              <a:spcAft>
-                <a:spcPts val="0"/>
-              </a:spcAft>
-              <a:buClrTx/>
-              <a:buSzTx/>
-              <a:buFont typeface="Arial" pitchFamily="34" charset="0"/>
-              <a:buChar char="•"/>
-              <a:tabLst/>
-              <a:defRPr/>
-            </a:pPr>
+              <a:t>From the figure, it is</a:t>
+            </a:r>
             <a:r>
               <a:rPr lang="en-GB" sz="1200" kern="1200" baseline="0" dirty="0" smtClean="0">
                 <a:solidFill>
@@ -7785,7 +7102,7 @@
                 <a:ea typeface="+mn-ea"/>
                 <a:cs typeface="+mn-cs"/>
               </a:rPr>
-              <a:t> </a:t>
+              <a:t> evident </a:t>
             </a:r>
             <a:r>
               <a:rPr lang="en-GB" sz="1200" kern="1200" dirty="0" smtClean="0">
@@ -7796,62 +7113,7 @@
                 <a:ea typeface="+mn-ea"/>
                 <a:cs typeface="+mn-cs"/>
               </a:rPr>
-              <a:t>From </a:t>
-            </a:r>
-            <a:r>
-              <a:rPr lang="en-GB" sz="1200" kern="1200" dirty="0" smtClean="0">
-                <a:solidFill>
-                  <a:schemeClr val="tx1"/>
-                </a:solidFill>
-                <a:latin typeface="+mn-lt"/>
-                <a:ea typeface="+mn-ea"/>
-                <a:cs typeface="+mn-cs"/>
-              </a:rPr>
-              <a:t>the figure, it </a:t>
-            </a:r>
-            <a:r>
-              <a:rPr lang="en-GB" sz="1200" kern="1200" dirty="0" smtClean="0">
-                <a:solidFill>
-                  <a:schemeClr val="tx1"/>
-                </a:solidFill>
-                <a:latin typeface="+mn-lt"/>
-                <a:ea typeface="+mn-ea"/>
-                <a:cs typeface="+mn-cs"/>
-              </a:rPr>
-              <a:t>is</a:t>
-            </a:r>
-            <a:r>
-              <a:rPr lang="en-GB" sz="1200" kern="1200" baseline="0" dirty="0" smtClean="0">
-                <a:solidFill>
-                  <a:schemeClr val="tx1"/>
-                </a:solidFill>
-                <a:latin typeface="+mn-lt"/>
-                <a:ea typeface="+mn-ea"/>
-                <a:cs typeface="+mn-cs"/>
-              </a:rPr>
-              <a:t> evident </a:t>
-            </a:r>
-            <a:r>
-              <a:rPr lang="en-GB" sz="1200" kern="1200" dirty="0" smtClean="0">
-                <a:solidFill>
-                  <a:schemeClr val="tx1"/>
-                </a:solidFill>
-                <a:latin typeface="+mn-lt"/>
-                <a:ea typeface="+mn-ea"/>
-                <a:cs typeface="+mn-cs"/>
-              </a:rPr>
-              <a:t>that </a:t>
-            </a:r>
-            <a:r>
-              <a:rPr lang="en-GB" sz="1200" kern="1200" dirty="0" smtClean="0">
-                <a:solidFill>
-                  <a:schemeClr val="tx1"/>
-                </a:solidFill>
-                <a:latin typeface="+mn-lt"/>
-                <a:ea typeface="+mn-ea"/>
-                <a:cs typeface="+mn-cs"/>
-              </a:rPr>
-              <a:t>for the first two iterations a higher number of application errors were recorded for the oldest age group of users tested as expected. However, unexpectedly in the third iteration the middle age group of users performed significantly worse than the eldest age group. This maybe because more users in the second age group were tested and consequently more errors were recorded in comparison to the number of users tested in the third age group.</a:t>
+              <a:t>that for the first two iterations a higher number of application errors were recorded for the oldest age group of users tested as expected. However, unexpectedly in the third iteration the middle age group of users performed significantly worse than the eldest age group. This maybe because more users in the second age group were tested and consequently more errors were recorded in comparison to the number of users tested in the third age group.</a:t>
             </a:r>
           </a:p>
           <a:p>
@@ -8211,18 +7473,7 @@
                 <a:ea typeface="+mn-ea"/>
                 <a:cs typeface="+mn-cs"/>
               </a:rPr>
-              <a:t> </a:t>
-            </a:r>
-            <a:r>
-              <a:rPr lang="en-GB" sz="1200" kern="1200" dirty="0" smtClean="0">
-                <a:solidFill>
-                  <a:schemeClr val="tx1"/>
-                </a:solidFill>
-                <a:latin typeface="+mn-lt"/>
-                <a:ea typeface="+mn-ea"/>
-                <a:cs typeface="+mn-cs"/>
-              </a:rPr>
-              <a:t>The final</a:t>
+              <a:t> The final</a:t>
             </a:r>
             <a:r>
               <a:rPr lang="en-GB" sz="1200" kern="1200" baseline="0" dirty="0" smtClean="0">
@@ -8271,18 +7522,7 @@
                 <a:ea typeface="+mn-ea"/>
                 <a:cs typeface="+mn-cs"/>
               </a:rPr>
-              <a:t> Numerical </a:t>
-            </a:r>
-            <a:r>
-              <a:rPr lang="en-GB" sz="1200" kern="1200" dirty="0" smtClean="0">
-                <a:solidFill>
-                  <a:schemeClr val="tx1"/>
-                </a:solidFill>
-                <a:latin typeface="+mn-lt"/>
-                <a:ea typeface="+mn-ea"/>
-                <a:cs typeface="+mn-cs"/>
-              </a:rPr>
-              <a:t>referencing performs better on complex websites in comparison</a:t>
+              <a:t> Numerical referencing performs better on complex websites in comparison</a:t>
             </a:r>
             <a:r>
               <a:rPr lang="en-GB" sz="1200" kern="1200" baseline="0" dirty="0" smtClean="0">
@@ -8293,18 +7533,7 @@
                 <a:ea typeface="+mn-ea"/>
                 <a:cs typeface="+mn-cs"/>
               </a:rPr>
-              <a:t> to simple websites such as those in Iterations 1 and </a:t>
-            </a:r>
-            <a:r>
-              <a:rPr lang="en-GB" sz="1200" kern="1200" baseline="0" dirty="0" smtClean="0">
-                <a:solidFill>
-                  <a:schemeClr val="tx1"/>
-                </a:solidFill>
-                <a:latin typeface="+mn-lt"/>
-                <a:ea typeface="+mn-ea"/>
-                <a:cs typeface="+mn-cs"/>
-              </a:rPr>
-              <a:t>2, where link name ref performs well.</a:t>
+              <a:t> to simple websites such as those in Iterations 1 and 2, where link name ref performs well.</a:t>
             </a:r>
             <a:endParaRPr lang="en-GB" sz="1200" kern="1200" dirty="0" smtClean="0">
               <a:solidFill>
@@ -8503,18 +7732,7 @@
                 <a:ea typeface="+mn-ea"/>
                 <a:cs typeface="+mn-cs"/>
               </a:rPr>
-              <a:t> application errors also indicate that numerical referencing can be user to improve voice recognition errors for the </a:t>
-            </a:r>
-            <a:r>
-              <a:rPr lang="en-ZA" sz="1200" kern="1200" baseline="0" dirty="0" smtClean="0">
-                <a:solidFill>
-                  <a:schemeClr val="tx1"/>
-                </a:solidFill>
-                <a:latin typeface="+mn-lt"/>
-                <a:ea typeface="+mn-ea"/>
-                <a:cs typeface="+mn-cs"/>
-              </a:rPr>
-              <a:t>elderly in simple websites.</a:t>
+              <a:t> application errors also indicate that numerical referencing can be user to improve voice recognition errors for the elderly in simple websites.</a:t>
             </a:r>
             <a:endParaRPr lang="en-GB" sz="1200" kern="1200" dirty="0" smtClean="0">
               <a:solidFill>
@@ -8689,7 +7907,18 @@
                 <a:ea typeface="+mn-ea"/>
                 <a:cs typeface="+mn-cs"/>
               </a:rPr>
-              <a:t> </a:t>
+              <a:t> For user </a:t>
+            </a:r>
+            <a:r>
+              <a:rPr lang="en-GB" sz="1200" kern="1200" baseline="0" dirty="0" err="1" smtClean="0">
+                <a:solidFill>
+                  <a:schemeClr val="tx1"/>
+                </a:solidFill>
+                <a:latin typeface="+mn-lt"/>
+                <a:ea typeface="+mn-ea"/>
+                <a:cs typeface="+mn-cs"/>
+              </a:rPr>
+              <a:t>pref</a:t>
             </a:r>
             <a:r>
               <a:rPr lang="en-GB" sz="1200" kern="1200" baseline="0" dirty="0" smtClean="0">
@@ -8700,10 +7929,10 @@
                 <a:ea typeface="+mn-ea"/>
                 <a:cs typeface="+mn-cs"/>
               </a:rPr>
-              <a:t>For user </a:t>
-            </a:r>
-            <a:r>
-              <a:rPr lang="en-GB" sz="1200" kern="1200" baseline="0" dirty="0" err="1" smtClean="0">
+              <a:t> of ref techniques, a</a:t>
+            </a:r>
+            <a:r>
+              <a:rPr lang="en-GB" sz="1200" kern="1200" dirty="0" smtClean="0">
                 <a:solidFill>
                   <a:schemeClr val="tx1"/>
                 </a:solidFill>
@@ -8711,7 +7940,37 @@
                 <a:ea typeface="+mn-ea"/>
                 <a:cs typeface="+mn-cs"/>
               </a:rPr>
-              <a:t>pref</a:t>
+              <a:t>s observed in the figure it is evident that for simple websites designed in iterations one and two, users preferred numerical </a:t>
+            </a:r>
+          </a:p>
+          <a:p>
+            <a:pPr marL="0" marR="0" lvl="1" indent="0" algn="l" defTabSz="914400" rtl="0" eaLnBrk="1" fontAlgn="auto" latinLnBrk="0" hangingPunct="1">
+              <a:lnSpc>
+                <a:spcPct val="100000"/>
+              </a:lnSpc>
+              <a:spcBef>
+                <a:spcPts val="0"/>
+              </a:spcBef>
+              <a:spcAft>
+                <a:spcPts val="0"/>
+              </a:spcAft>
+              <a:buClrTx/>
+              <a:buSzTx/>
+              <a:buFont typeface="Arial" pitchFamily="34" charset="0"/>
+              <a:buNone/>
+              <a:tabLst/>
+              <a:defRPr/>
+            </a:pPr>
+            <a:r>
+              <a:rPr lang="en-GB" sz="1200" kern="1200" dirty="0" smtClean="0">
+                <a:solidFill>
+                  <a:schemeClr val="tx1"/>
+                </a:solidFill>
+                <a:latin typeface="+mn-lt"/>
+                <a:ea typeface="+mn-ea"/>
+                <a:cs typeface="+mn-cs"/>
+              </a:rPr>
+              <a:t>  referencing. Even though link name</a:t>
             </a:r>
             <a:r>
               <a:rPr lang="en-GB" sz="1200" kern="1200" baseline="0" dirty="0" smtClean="0">
@@ -8722,7 +7981,7 @@
                 <a:ea typeface="+mn-ea"/>
                 <a:cs typeface="+mn-cs"/>
               </a:rPr>
-              <a:t> of ref techniques, a</a:t>
+              <a:t> referencing performs better. </a:t>
             </a:r>
             <a:r>
               <a:rPr lang="en-GB" sz="1200" kern="1200" dirty="0" smtClean="0">
@@ -8733,7 +7992,18 @@
                 <a:ea typeface="+mn-ea"/>
                 <a:cs typeface="+mn-cs"/>
               </a:rPr>
-              <a:t>s </a:t>
+              <a:t>This may be due to the sequential nature and concise vocabulary of numbers. However for </a:t>
+            </a:r>
+            <a:r>
+              <a:rPr lang="en-GB" sz="1200" kern="1200" baseline="0" dirty="0" smtClean="0">
+                <a:solidFill>
+                  <a:schemeClr val="tx1"/>
+                </a:solidFill>
+                <a:latin typeface="+mn-lt"/>
+                <a:ea typeface="+mn-ea"/>
+                <a:cs typeface="+mn-cs"/>
+              </a:rPr>
+              <a:t> </a:t>
             </a:r>
             <a:r>
               <a:rPr lang="en-GB" sz="1200" kern="1200" dirty="0" smtClean="0">
@@ -8744,177 +8014,7 @@
                 <a:ea typeface="+mn-ea"/>
                 <a:cs typeface="+mn-cs"/>
               </a:rPr>
-              <a:t>observed in the figure it is evident that for simple websites designed in iterations one and two, users preferred numerical </a:t>
-            </a:r>
-            <a:endParaRPr lang="en-GB" sz="1200" kern="1200" dirty="0" smtClean="0">
-              <a:solidFill>
-                <a:schemeClr val="tx1"/>
-              </a:solidFill>
-              <a:latin typeface="+mn-lt"/>
-              <a:ea typeface="+mn-ea"/>
-              <a:cs typeface="+mn-cs"/>
-            </a:endParaRPr>
-          </a:p>
-          <a:p>
-            <a:pPr marL="0" marR="0" lvl="1" indent="0" algn="l" defTabSz="914400" rtl="0" eaLnBrk="1" fontAlgn="auto" latinLnBrk="0" hangingPunct="1">
-              <a:lnSpc>
-                <a:spcPct val="100000"/>
-              </a:lnSpc>
-              <a:spcBef>
-                <a:spcPts val="0"/>
-              </a:spcBef>
-              <a:spcAft>
-                <a:spcPts val="0"/>
-              </a:spcAft>
-              <a:buClrTx/>
-              <a:buSzTx/>
-              <a:buFont typeface="Arial" pitchFamily="34" charset="0"/>
-              <a:buNone/>
-              <a:tabLst/>
-              <a:defRPr/>
-            </a:pPr>
-            <a:r>
-              <a:rPr lang="en-GB" sz="1200" kern="1200" dirty="0" smtClean="0">
-                <a:solidFill>
-                  <a:schemeClr val="tx1"/>
-                </a:solidFill>
-                <a:latin typeface="+mn-lt"/>
-                <a:ea typeface="+mn-ea"/>
-                <a:cs typeface="+mn-cs"/>
-              </a:rPr>
-              <a:t>  referencing</a:t>
-            </a:r>
-            <a:r>
-              <a:rPr lang="en-GB" sz="1200" kern="1200" dirty="0" smtClean="0">
-                <a:solidFill>
-                  <a:schemeClr val="tx1"/>
-                </a:solidFill>
-                <a:latin typeface="+mn-lt"/>
-                <a:ea typeface="+mn-ea"/>
-                <a:cs typeface="+mn-cs"/>
-              </a:rPr>
-              <a:t>. Even though link </a:t>
-            </a:r>
-            <a:r>
-              <a:rPr lang="en-GB" sz="1200" kern="1200" dirty="0" smtClean="0">
-                <a:solidFill>
-                  <a:schemeClr val="tx1"/>
-                </a:solidFill>
-                <a:latin typeface="+mn-lt"/>
-                <a:ea typeface="+mn-ea"/>
-                <a:cs typeface="+mn-cs"/>
-              </a:rPr>
-              <a:t>name</a:t>
-            </a:r>
-            <a:r>
-              <a:rPr lang="en-GB" sz="1200" kern="1200" baseline="0" dirty="0" smtClean="0">
-                <a:solidFill>
-                  <a:schemeClr val="tx1"/>
-                </a:solidFill>
-                <a:latin typeface="+mn-lt"/>
-                <a:ea typeface="+mn-ea"/>
-                <a:cs typeface="+mn-cs"/>
-              </a:rPr>
-              <a:t> </a:t>
-            </a:r>
-            <a:r>
-              <a:rPr lang="en-GB" sz="1200" kern="1200" baseline="0" dirty="0" smtClean="0">
-                <a:solidFill>
-                  <a:schemeClr val="tx1"/>
-                </a:solidFill>
-                <a:latin typeface="+mn-lt"/>
-                <a:ea typeface="+mn-ea"/>
-                <a:cs typeface="+mn-cs"/>
-              </a:rPr>
-              <a:t>referencing performs better. </a:t>
-            </a:r>
-            <a:r>
-              <a:rPr lang="en-GB" sz="1200" kern="1200" dirty="0" smtClean="0">
-                <a:solidFill>
-                  <a:schemeClr val="tx1"/>
-                </a:solidFill>
-                <a:latin typeface="+mn-lt"/>
-                <a:ea typeface="+mn-ea"/>
-                <a:cs typeface="+mn-cs"/>
-              </a:rPr>
-              <a:t>This may be due </a:t>
-            </a:r>
-            <a:r>
-              <a:rPr lang="en-GB" sz="1200" kern="1200" dirty="0" smtClean="0">
-                <a:solidFill>
-                  <a:schemeClr val="tx1"/>
-                </a:solidFill>
-                <a:latin typeface="+mn-lt"/>
-                <a:ea typeface="+mn-ea"/>
-                <a:cs typeface="+mn-cs"/>
-              </a:rPr>
-              <a:t>to </a:t>
-            </a:r>
-            <a:r>
-              <a:rPr lang="en-GB" sz="1200" kern="1200" dirty="0" smtClean="0">
-                <a:solidFill>
-                  <a:schemeClr val="tx1"/>
-                </a:solidFill>
-                <a:latin typeface="+mn-lt"/>
-                <a:ea typeface="+mn-ea"/>
-                <a:cs typeface="+mn-cs"/>
-              </a:rPr>
-              <a:t>the sequential nature and concise vocabulary of numbers. However for </a:t>
-            </a:r>
-            <a:r>
-              <a:rPr lang="en-GB" sz="1200" kern="1200" baseline="0" dirty="0" smtClean="0">
-                <a:solidFill>
-                  <a:schemeClr val="tx1"/>
-                </a:solidFill>
-                <a:latin typeface="+mn-lt"/>
-                <a:ea typeface="+mn-ea"/>
-                <a:cs typeface="+mn-cs"/>
-              </a:rPr>
-              <a:t> </a:t>
-            </a:r>
-            <a:r>
-              <a:rPr lang="en-GB" sz="1200" kern="1200" dirty="0" smtClean="0">
-                <a:solidFill>
-                  <a:schemeClr val="tx1"/>
-                </a:solidFill>
-                <a:latin typeface="+mn-lt"/>
-                <a:ea typeface="+mn-ea"/>
-                <a:cs typeface="+mn-cs"/>
-              </a:rPr>
-              <a:t>complex </a:t>
-            </a:r>
-            <a:r>
-              <a:rPr lang="en-GB" sz="1200" kern="1200" dirty="0" smtClean="0">
-                <a:solidFill>
-                  <a:schemeClr val="tx1"/>
-                </a:solidFill>
-                <a:latin typeface="+mn-lt"/>
-                <a:ea typeface="+mn-ea"/>
-                <a:cs typeface="+mn-cs"/>
-              </a:rPr>
-              <a:t>websites there was no distinct preference between referencing </a:t>
-            </a:r>
-            <a:r>
-              <a:rPr lang="en-GB" sz="1200" kern="1200" dirty="0" smtClean="0">
-                <a:solidFill>
-                  <a:schemeClr val="tx1"/>
-                </a:solidFill>
-                <a:latin typeface="+mn-lt"/>
-                <a:ea typeface="+mn-ea"/>
-                <a:cs typeface="+mn-cs"/>
-              </a:rPr>
-              <a:t>techniques</a:t>
-            </a:r>
-            <a:r>
-              <a:rPr lang="en-GB" sz="1200" kern="1200" dirty="0" smtClean="0">
-                <a:solidFill>
-                  <a:schemeClr val="tx1"/>
-                </a:solidFill>
-                <a:latin typeface="+mn-lt"/>
-                <a:ea typeface="+mn-ea"/>
-                <a:cs typeface="+mn-cs"/>
-              </a:rPr>
-              <a:t>. For complex websites, both techniques appear to be satisfactory. </a:t>
+              <a:t>complex websites there was no distinct preference between referencing techniques. For complex websites, both techniques appear to be satisfactory. </a:t>
             </a:r>
           </a:p>
           <a:p>
@@ -8937,17 +8037,20 @@
             </a:pPr>
             <a:r>
               <a:rPr lang="en-ZA" dirty="0" smtClean="0"/>
-              <a:t>  </a:t>
-            </a:r>
-            <a:r>
-              <a:rPr lang="en-ZA" dirty="0" smtClean="0"/>
-              <a:t>The figure implies</a:t>
+              <a:t>  The figure implies</a:t>
             </a:r>
             <a:r>
               <a:rPr lang="en-US" sz="1200" dirty="0" smtClean="0">
                 <a:latin typeface="Arial" pitchFamily="34" charset="0"/>
                 <a:cs typeface="Arial" pitchFamily="34" charset="0"/>
               </a:rPr>
+              <a:t> that possible</a:t>
+            </a:r>
+            <a:r>
+              <a:rPr lang="en-US" sz="1200" baseline="0" dirty="0" smtClean="0">
+                <a:latin typeface="Arial" pitchFamily="34" charset="0"/>
+                <a:cs typeface="Arial" pitchFamily="34" charset="0"/>
+              </a:rPr>
               <a:t> </a:t>
             </a:r>
             <a:r>
@@ -8955,35 +8058,7 @@
                 <a:latin typeface="Arial" pitchFamily="34" charset="0"/>
                 <a:cs typeface="Arial" pitchFamily="34" charset="0"/>
               </a:rPr>
-              <a:t>that </a:t>
-            </a:r>
-            <a:r>
-              <a:rPr lang="en-US" sz="1200" dirty="0" smtClean="0">
-                <a:latin typeface="Arial" pitchFamily="34" charset="0"/>
-                <a:cs typeface="Arial" pitchFamily="34" charset="0"/>
-              </a:rPr>
-              <a:t>possible</a:t>
-            </a:r>
-            <a:r>
-              <a:rPr lang="en-US" sz="1200" baseline="0" dirty="0" smtClean="0">
-                <a:latin typeface="Arial" pitchFamily="34" charset="0"/>
-                <a:cs typeface="Arial" pitchFamily="34" charset="0"/>
-              </a:rPr>
-              <a:t> </a:t>
-            </a:r>
-            <a:r>
-              <a:rPr lang="en-US" sz="1200" dirty="0" smtClean="0">
-                <a:latin typeface="Arial" pitchFamily="34" charset="0"/>
-                <a:cs typeface="Arial" pitchFamily="34" charset="0"/>
-              </a:rPr>
-              <a:t>combinations </a:t>
-            </a:r>
-            <a:r>
-              <a:rPr lang="en-US" sz="1200" dirty="0" smtClean="0">
-                <a:latin typeface="Arial" pitchFamily="34" charset="0"/>
-                <a:cs typeface="Arial" pitchFamily="34" charset="0"/>
-              </a:rPr>
-              <a:t>of numerical referencing and spoken link name referencing could be used (for instance, numerical referencing within sections and link name referencing for sections etc.)</a:t>
+              <a:t>combinations of numerical referencing and spoken link name referencing could be used (for instance, numerical referencing within sections and link name referencing for sections etc.)</a:t>
             </a:r>
           </a:p>
           <a:p>
@@ -9124,10 +8199,6 @@
               </a:rPr>
               <a:t>. </a:t>
             </a:r>
-            <a:endParaRPr lang="en-US" sz="1200" baseline="0" dirty="0" smtClean="0">
-              <a:latin typeface="Arial" pitchFamily="34" charset="0"/>
-              <a:cs typeface="Arial" pitchFamily="34" charset="0"/>
-            </a:endParaRPr>
           </a:p>
           <a:p>
             <a:pPr marL="0" marR="0" lvl="1" indent="0" algn="l" defTabSz="914400" rtl="0" eaLnBrk="1" fontAlgn="auto" latinLnBrk="0" hangingPunct="1">
@@ -9198,11 +8269,7 @@
             </a:r>
             <a:r>
               <a:rPr lang="en-ZA" dirty="0" smtClean="0"/>
-              <a:t>was used to centralise version control. This also increased acted as an additional backup and way of rolling back to prior versions of the project if need </a:t>
-            </a:r>
-            <a:r>
-              <a:rPr lang="en-ZA" dirty="0" smtClean="0"/>
-              <a:t>be.</a:t>
+              <a:t>was used to centralise version control. This also increased acted as an additional backup and way of rolling back to prior versions of the project if need be.</a:t>
             </a:r>
           </a:p>
           <a:p>
@@ -9447,14 +8514,7 @@
                 <a:latin typeface="Arial" pitchFamily="34" charset="0"/>
                 <a:cs typeface="Arial" pitchFamily="34" charset="0"/>
               </a:rPr>
-              <a:t> Age </a:t>
-            </a:r>
-            <a:r>
-              <a:rPr lang="en-US" sz="1200" dirty="0" smtClean="0">
-                <a:latin typeface="Arial" pitchFamily="34" charset="0"/>
-                <a:cs typeface="Arial" pitchFamily="34" charset="0"/>
-              </a:rPr>
-              <a:t>and gender have significant affects</a:t>
+              <a:t> Age and gender have significant affects</a:t>
             </a:r>
             <a:r>
               <a:rPr lang="en-US" sz="1200" baseline="0" dirty="0" smtClean="0">
@@ -9827,10 +8887,6 @@
               </a:rPr>
               <a:t>To end, these are a few images of the elderly whom were tested.</a:t>
             </a:r>
-            <a:endParaRPr lang="en-US" sz="2800" baseline="0" dirty="0" smtClean="0">
-              <a:latin typeface="Arial" pitchFamily="34" charset="0"/>
-              <a:cs typeface="Arial" pitchFamily="34" charset="0"/>
-            </a:endParaRPr>
           </a:p>
         </p:txBody>
       </p:sp>
@@ -11806,7 +10862,7 @@
             <a:fld id="{B21BC2FF-5041-419E-897C-13589D9EF291}" type="datetimeFigureOut">
               <a:rPr lang="en-US" smtClean="0"/>
               <a:pPr/>
-              <a:t>11/5/2011</a:t>
+              <a:t>11/6/2011</a:t>
             </a:fld>
             <a:endParaRPr lang="en-GB"/>
           </a:p>
@@ -11991,7 +11047,7 @@
             <a:fld id="{B21BC2FF-5041-419E-897C-13589D9EF291}" type="datetimeFigureOut">
               <a:rPr lang="en-US" smtClean="0"/>
               <a:pPr/>
-              <a:t>11/5/2011</a:t>
+              <a:t>11/6/2011</a:t>
             </a:fld>
             <a:endParaRPr lang="en-GB"/>
           </a:p>
@@ -12168,7 +11224,7 @@
             <a:fld id="{B21BC2FF-5041-419E-897C-13589D9EF291}" type="datetimeFigureOut">
               <a:rPr lang="en-US" smtClean="0"/>
               <a:pPr/>
-              <a:t>11/5/2011</a:t>
+              <a:t>11/6/2011</a:t>
             </a:fld>
             <a:endParaRPr lang="en-GB"/>
           </a:p>
@@ -12335,7 +11391,7 @@
             <a:fld id="{B21BC2FF-5041-419E-897C-13589D9EF291}" type="datetimeFigureOut">
               <a:rPr lang="en-US" smtClean="0"/>
               <a:pPr/>
-              <a:t>11/5/2011</a:t>
+              <a:t>11/6/2011</a:t>
             </a:fld>
             <a:endParaRPr lang="en-GB"/>
           </a:p>
@@ -12558,7 +11614,7 @@
             <a:fld id="{B21BC2FF-5041-419E-897C-13589D9EF291}" type="datetimeFigureOut">
               <a:rPr lang="en-US" smtClean="0"/>
               <a:pPr/>
-              <a:t>11/5/2011</a:t>
+              <a:t>11/6/2011</a:t>
             </a:fld>
             <a:endParaRPr lang="en-GB"/>
           </a:p>
@@ -12819,7 +11875,7 @@
             <a:fld id="{B21BC2FF-5041-419E-897C-13589D9EF291}" type="datetimeFigureOut">
               <a:rPr lang="en-US" smtClean="0"/>
               <a:pPr/>
-              <a:t>11/5/2011</a:t>
+              <a:t>11/6/2011</a:t>
             </a:fld>
             <a:endParaRPr lang="en-GB"/>
           </a:p>
@@ -13225,7 +12281,7 @@
             <a:fld id="{B21BC2FF-5041-419E-897C-13589D9EF291}" type="datetimeFigureOut">
               <a:rPr lang="en-US" smtClean="0"/>
               <a:pPr/>
-              <a:t>11/5/2011</a:t>
+              <a:t>11/6/2011</a:t>
             </a:fld>
             <a:endParaRPr lang="en-GB"/>
           </a:p>
@@ -13358,7 +12414,7 @@
             <a:fld id="{B21BC2FF-5041-419E-897C-13589D9EF291}" type="datetimeFigureOut">
               <a:rPr lang="en-US" smtClean="0"/>
               <a:pPr/>
-              <a:t>11/5/2011</a:t>
+              <a:t>11/6/2011</a:t>
             </a:fld>
             <a:endParaRPr lang="en-GB"/>
           </a:p>
@@ -13460,7 +12516,7 @@
             <a:fld id="{B21BC2FF-5041-419E-897C-13589D9EF291}" type="datetimeFigureOut">
               <a:rPr lang="en-US" smtClean="0"/>
               <a:pPr/>
-              <a:t>11/5/2011</a:t>
+              <a:t>11/6/2011</a:t>
             </a:fld>
             <a:endParaRPr lang="en-GB"/>
           </a:p>
@@ -13707,7 +12763,7 @@
             <a:fld id="{B21BC2FF-5041-419E-897C-13589D9EF291}" type="datetimeFigureOut">
               <a:rPr lang="en-US" smtClean="0"/>
               <a:pPr/>
-              <a:t>11/5/2011</a:t>
+              <a:t>11/6/2011</a:t>
             </a:fld>
             <a:endParaRPr lang="en-GB"/>
           </a:p>
@@ -13953,7 +13009,7 @@
             <a:fld id="{B21BC2FF-5041-419E-897C-13589D9EF291}" type="datetimeFigureOut">
               <a:rPr lang="en-US" smtClean="0"/>
               <a:pPr/>
-              <a:t>11/5/2011</a:t>
+              <a:t>11/6/2011</a:t>
             </a:fld>
             <a:endParaRPr lang="en-GB"/>
           </a:p>
@@ -14779,7 +13835,7 @@
             <a:fld id="{B21BC2FF-5041-419E-897C-13589D9EF291}" type="datetimeFigureOut">
               <a:rPr lang="en-US" smtClean="0"/>
               <a:pPr/>
-              <a:t>11/5/2011</a:t>
+              <a:t>11/6/2011</a:t>
             </a:fld>
             <a:endParaRPr lang="en-GB"/>
           </a:p>
@@ -20452,14 +19508,7 @@
                 <a:latin typeface="Arial" pitchFamily="34" charset="0"/>
                 <a:cs typeface="Arial" pitchFamily="34" charset="0"/>
               </a:rPr>
-              <a:t>Perceived </a:t>
-            </a:r>
-            <a:r>
-              <a:rPr lang="en-US" sz="3500" dirty="0" smtClean="0">
-                <a:latin typeface="Arial" pitchFamily="34" charset="0"/>
-                <a:cs typeface="Arial" pitchFamily="34" charset="0"/>
-              </a:rPr>
-              <a:t>performance</a:t>
+              <a:t>Perceived performance</a:t>
             </a:r>
             <a:r>
               <a:rPr lang="en-US" sz="3200" dirty="0" smtClean="0">
@@ -22095,268 +21144,47 @@
         </p:spPr>
         <p:txBody>
           <a:bodyPr vert="horz">
-            <a:normAutofit/>
+            <a:normAutofit fontScale="47500" lnSpcReduction="20000"/>
           </a:bodyPr>
           <a:lstStyle/>
           <a:p>
-            <a:pPr marL="658368" lvl="1" indent="-246888" algn="just">
-              <a:spcBef>
-                <a:spcPts val="300"/>
-              </a:spcBef>
-            </a:pPr>
-            <a:r>
-              <a:rPr lang="en-GB" sz="800" dirty="0" smtClean="0">
-                <a:latin typeface="Arial" pitchFamily="34" charset="0"/>
-                <a:cs typeface="Arial" pitchFamily="34" charset="0"/>
-              </a:rPr>
-              <a:t>Anderson </a:t>
-            </a:r>
-            <a:r>
-              <a:rPr lang="en-GB" sz="800" dirty="0">
-                <a:latin typeface="Arial" pitchFamily="34" charset="0"/>
-                <a:cs typeface="Arial" pitchFamily="34" charset="0"/>
-              </a:rPr>
-              <a:t>S, </a:t>
-            </a:r>
-            <a:r>
-              <a:rPr lang="en-GB" sz="800" dirty="0" err="1">
-                <a:latin typeface="Arial" pitchFamily="34" charset="0"/>
-                <a:cs typeface="Arial" pitchFamily="34" charset="0"/>
-              </a:rPr>
-              <a:t>Liberman</a:t>
-            </a:r>
-            <a:r>
-              <a:rPr lang="en-GB" sz="800" dirty="0">
-                <a:latin typeface="Arial" pitchFamily="34" charset="0"/>
-                <a:cs typeface="Arial" pitchFamily="34" charset="0"/>
-              </a:rPr>
-              <a:t> N, Bernstein E, </a:t>
-            </a:r>
-            <a:r>
-              <a:rPr lang="en-GB" sz="800" dirty="0" smtClean="0">
-                <a:latin typeface="Arial" pitchFamily="34" charset="0"/>
-                <a:cs typeface="Arial" pitchFamily="34" charset="0"/>
-              </a:rPr>
-              <a:t>Foster S, </a:t>
-            </a:r>
-            <a:r>
-              <a:rPr lang="en-GB" sz="800" dirty="0" err="1" smtClean="0">
-                <a:latin typeface="Arial" pitchFamily="34" charset="0"/>
-                <a:cs typeface="Arial" pitchFamily="34" charset="0"/>
-              </a:rPr>
-              <a:t>Cate</a:t>
-            </a:r>
-            <a:r>
-              <a:rPr lang="en-GB" sz="800" dirty="0" smtClean="0">
-                <a:latin typeface="Arial" pitchFamily="34" charset="0"/>
-                <a:cs typeface="Arial" pitchFamily="34" charset="0"/>
-              </a:rPr>
-              <a:t> E</a:t>
-            </a:r>
-            <a:r>
-              <a:rPr lang="en-GB" sz="800" dirty="0">
-                <a:latin typeface="Arial" pitchFamily="34" charset="0"/>
-                <a:cs typeface="Arial" pitchFamily="34" charset="0"/>
-              </a:rPr>
-              <a:t>, Levin B. </a:t>
-            </a:r>
-            <a:r>
-              <a:rPr lang="en-GB" sz="800" i="1" dirty="0">
-                <a:latin typeface="Arial" pitchFamily="34" charset="0"/>
-                <a:cs typeface="Arial" pitchFamily="34" charset="0"/>
-              </a:rPr>
-              <a:t>Recognition of </a:t>
-            </a:r>
-            <a:r>
-              <a:rPr lang="en-GB" sz="800" i="1" dirty="0" smtClean="0">
-                <a:latin typeface="Arial" pitchFamily="34" charset="0"/>
-                <a:cs typeface="Arial" pitchFamily="34" charset="0"/>
-              </a:rPr>
-              <a:t>elderly speech </a:t>
-            </a:r>
-            <a:r>
-              <a:rPr lang="en-GB" sz="800" i="1" dirty="0">
-                <a:latin typeface="Arial" pitchFamily="34" charset="0"/>
-                <a:cs typeface="Arial" pitchFamily="34" charset="0"/>
-              </a:rPr>
-              <a:t>and </a:t>
-            </a:r>
-            <a:r>
-              <a:rPr lang="en-GB" sz="800" i="1" dirty="0" smtClean="0">
-                <a:latin typeface="Arial" pitchFamily="34" charset="0"/>
-                <a:cs typeface="Arial" pitchFamily="34" charset="0"/>
-              </a:rPr>
-              <a:t>   voice-driven </a:t>
-            </a:r>
-            <a:r>
-              <a:rPr lang="en-GB" sz="800" i="1" dirty="0">
-                <a:latin typeface="Arial" pitchFamily="34" charset="0"/>
-                <a:cs typeface="Arial" pitchFamily="34" charset="0"/>
-              </a:rPr>
-              <a:t>document </a:t>
-            </a:r>
-            <a:r>
-              <a:rPr lang="en-GB" sz="800" i="1" dirty="0" smtClean="0">
-                <a:latin typeface="Arial" pitchFamily="34" charset="0"/>
-                <a:cs typeface="Arial" pitchFamily="34" charset="0"/>
-              </a:rPr>
-              <a:t>retrieval.</a:t>
-            </a:r>
-            <a:r>
-              <a:rPr lang="en-GB" sz="800" dirty="0" smtClean="0">
-                <a:latin typeface="Arial" pitchFamily="34" charset="0"/>
-                <a:cs typeface="Arial" pitchFamily="34" charset="0"/>
-              </a:rPr>
-              <a:t> Dragon Systems, Inc</a:t>
-            </a:r>
-            <a:r>
-              <a:rPr lang="en-GB" sz="800" dirty="0">
-                <a:latin typeface="Arial" pitchFamily="34" charset="0"/>
-                <a:cs typeface="Arial" pitchFamily="34" charset="0"/>
-              </a:rPr>
-              <a:t>, </a:t>
-            </a:r>
-            <a:r>
-              <a:rPr lang="en-GB" sz="800" dirty="0" smtClean="0">
-                <a:latin typeface="Arial" pitchFamily="34" charset="0"/>
-                <a:cs typeface="Arial" pitchFamily="34" charset="0"/>
-              </a:rPr>
-              <a:t>1999 IEEE</a:t>
-            </a:r>
-            <a:r>
-              <a:rPr lang="en-GB" sz="800" dirty="0">
-                <a:latin typeface="Arial" pitchFamily="34" charset="0"/>
-                <a:cs typeface="Arial" pitchFamily="34" charset="0"/>
-              </a:rPr>
-              <a:t>, pp </a:t>
-            </a:r>
-            <a:r>
-              <a:rPr lang="en-GB" sz="800" dirty="0" smtClean="0">
-                <a:latin typeface="Arial" pitchFamily="34" charset="0"/>
-                <a:cs typeface="Arial" pitchFamily="34" charset="0"/>
-              </a:rPr>
-              <a:t>1.</a:t>
-            </a:r>
-          </a:p>
-          <a:p>
-            <a:pPr marL="658368" lvl="1" indent="-246888" algn="just">
-              <a:spcBef>
-                <a:spcPts val="300"/>
-              </a:spcBef>
-            </a:pPr>
-            <a:r>
-              <a:rPr lang="en-GB" sz="800" dirty="0" smtClean="0">
-                <a:latin typeface="Arial" pitchFamily="34" charset="0"/>
-                <a:cs typeface="Arial" pitchFamily="34" charset="0"/>
-              </a:rPr>
-              <a:t>Conn </a:t>
-            </a:r>
-            <a:r>
-              <a:rPr lang="en-GB" sz="800" dirty="0">
-                <a:latin typeface="Arial" pitchFamily="34" charset="0"/>
-                <a:cs typeface="Arial" pitchFamily="34" charset="0"/>
-              </a:rPr>
-              <a:t>N, </a:t>
-            </a:r>
-            <a:r>
-              <a:rPr lang="en-GB" sz="800" dirty="0" err="1">
-                <a:latin typeface="Arial" pitchFamily="34" charset="0"/>
-                <a:cs typeface="Arial" pitchFamily="34" charset="0"/>
-              </a:rPr>
-              <a:t>McTear</a:t>
-            </a:r>
-            <a:r>
-              <a:rPr lang="en-GB" sz="800" dirty="0">
-                <a:latin typeface="Arial" pitchFamily="34" charset="0"/>
-                <a:cs typeface="Arial" pitchFamily="34" charset="0"/>
-              </a:rPr>
-              <a:t> M. </a:t>
-            </a:r>
-            <a:r>
-              <a:rPr lang="en-GB" sz="800" i="1" dirty="0">
-                <a:latin typeface="Arial" pitchFamily="34" charset="0"/>
-                <a:cs typeface="Arial" pitchFamily="34" charset="0"/>
-              </a:rPr>
-              <a:t>Speech Technology: </a:t>
-            </a:r>
-            <a:r>
-              <a:rPr lang="en-GB" sz="800" i="1" dirty="0" smtClean="0">
-                <a:latin typeface="Arial" pitchFamily="34" charset="0"/>
-                <a:cs typeface="Arial" pitchFamily="34" charset="0"/>
-              </a:rPr>
-              <a:t>A Solution for </a:t>
-            </a:r>
-            <a:r>
-              <a:rPr lang="en-GB" sz="800" i="1" dirty="0">
-                <a:latin typeface="Arial" pitchFamily="34" charset="0"/>
-                <a:cs typeface="Arial" pitchFamily="34" charset="0"/>
-              </a:rPr>
-              <a:t>People with Disabilities</a:t>
-            </a:r>
-            <a:r>
-              <a:rPr lang="en-GB" sz="800" dirty="0">
-                <a:latin typeface="Arial" pitchFamily="34" charset="0"/>
-                <a:cs typeface="Arial" pitchFamily="34" charset="0"/>
-              </a:rPr>
-              <a:t>. Faculty of </a:t>
-            </a:r>
-            <a:r>
-              <a:rPr lang="en-GB" sz="800" dirty="0" smtClean="0">
-                <a:latin typeface="Arial" pitchFamily="34" charset="0"/>
-                <a:cs typeface="Arial" pitchFamily="34" charset="0"/>
-              </a:rPr>
-              <a:t>Informatics</a:t>
-            </a:r>
-            <a:r>
-              <a:rPr lang="en-GB" sz="800" dirty="0">
-                <a:latin typeface="Arial" pitchFamily="34" charset="0"/>
-                <a:cs typeface="Arial" pitchFamily="34" charset="0"/>
-              </a:rPr>
-              <a:t>, </a:t>
-            </a:r>
-            <a:r>
-              <a:rPr lang="en-GB" sz="800" dirty="0" smtClean="0">
-                <a:latin typeface="Arial" pitchFamily="34" charset="0"/>
-                <a:cs typeface="Arial" pitchFamily="34" charset="0"/>
-              </a:rPr>
-              <a:t>University </a:t>
-            </a:r>
-            <a:r>
-              <a:rPr lang="en-GB" sz="800" dirty="0">
-                <a:latin typeface="Arial" pitchFamily="34" charset="0"/>
-                <a:cs typeface="Arial" pitchFamily="34" charset="0"/>
-              </a:rPr>
-              <a:t>of Ulster at </a:t>
-            </a:r>
-            <a:r>
-              <a:rPr lang="en-GB" sz="800" dirty="0" err="1" smtClean="0">
-                <a:latin typeface="Arial" pitchFamily="34" charset="0"/>
-                <a:cs typeface="Arial" pitchFamily="34" charset="0"/>
-              </a:rPr>
-              <a:t>Jordanstown</a:t>
-            </a:r>
-            <a:r>
-              <a:rPr lang="en-GB" sz="800" dirty="0" smtClean="0">
-                <a:latin typeface="Arial" pitchFamily="34" charset="0"/>
-                <a:cs typeface="Arial" pitchFamily="34" charset="0"/>
-              </a:rPr>
-              <a:t>, United Kingdom</a:t>
-            </a:r>
-            <a:r>
-              <a:rPr lang="en-GB" sz="800" dirty="0">
-                <a:latin typeface="Arial" pitchFamily="34" charset="0"/>
-                <a:cs typeface="Arial" pitchFamily="34" charset="0"/>
-              </a:rPr>
-              <a:t>, 2000 IEEE, pp 1.</a:t>
-            </a:r>
-          </a:p>
-          <a:p>
-            <a:pPr marL="658368" lvl="1" indent="-246888">
-              <a:spcBef>
-                <a:spcPts val="300"/>
-              </a:spcBef>
-            </a:pPr>
-            <a:endParaRPr lang="en-US" sz="3200" dirty="0" smtClean="0">
+            <a:r>
+              <a:rPr lang="en-ZA" sz="2500" dirty="0" smtClean="0"/>
+              <a:t>Eastman J. K., </a:t>
+            </a:r>
+            <a:r>
+              <a:rPr lang="en-ZA" sz="2500" dirty="0" err="1" smtClean="0"/>
+              <a:t>Iyer</a:t>
+            </a:r>
+            <a:r>
+              <a:rPr lang="en-ZA" sz="2500" dirty="0" smtClean="0"/>
+              <a:t> R. The Elderly uses and </a:t>
+            </a:r>
+            <a:r>
+              <a:rPr lang="en-ZA" sz="2500" dirty="0" smtClean="0"/>
+              <a:t>attitudes towards </a:t>
+            </a:r>
+            <a:r>
+              <a:rPr lang="en-ZA" sz="2500" dirty="0" smtClean="0"/>
+              <a:t>the Internet. Journal of Consumer Marketing, </a:t>
+            </a:r>
+            <a:r>
+              <a:rPr lang="en-ZA" sz="2500" dirty="0" err="1" smtClean="0"/>
+              <a:t>Vol</a:t>
+            </a:r>
+            <a:r>
+              <a:rPr lang="en-ZA" sz="2500" dirty="0" smtClean="0"/>
+              <a:t> 21 </a:t>
+            </a:r>
+            <a:r>
+              <a:rPr lang="en-ZA" sz="2500" dirty="0" err="1" smtClean="0"/>
+              <a:t>Iss</a:t>
+            </a:r>
+            <a:r>
+              <a:rPr lang="en-ZA" sz="2500" dirty="0" smtClean="0"/>
+              <a:t>: 3, 2004, pp208-208.</a:t>
+            </a:r>
+            <a:endParaRPr lang="en-US" sz="2500" dirty="0" smtClean="0">
               <a:latin typeface="Arial" pitchFamily="34" charset="0"/>
               <a:cs typeface="Arial" pitchFamily="34" charset="0"/>
             </a:endParaRPr>
@@ -22982,14 +21810,7 @@
                 <a:latin typeface="Arial" pitchFamily="34" charset="0"/>
                 <a:cs typeface="Arial" pitchFamily="34" charset="0"/>
               </a:rPr>
-              <a:t>Simple websites: </a:t>
-            </a:r>
-            <a:r>
-              <a:rPr lang="en-US" sz="3200" dirty="0" smtClean="0">
-                <a:latin typeface="Arial" pitchFamily="34" charset="0"/>
-                <a:cs typeface="Arial" pitchFamily="34" charset="0"/>
-              </a:rPr>
-              <a:t>Link name referencing.</a:t>
+              <a:t>Simple websites: Link name referencing.</a:t>
             </a:r>
           </a:p>
           <a:p>
@@ -23007,10 +21828,6 @@
               </a:rPr>
               <a:t>Complex websites: Numerical referencing.</a:t>
             </a:r>
-            <a:endParaRPr lang="en-US" sz="3200" dirty="0" smtClean="0">
-              <a:latin typeface="Arial" pitchFamily="34" charset="0"/>
-              <a:cs typeface="Arial" pitchFamily="34" charset="0"/>
-            </a:endParaRPr>
           </a:p>
         </p:txBody>
       </p:sp>
@@ -23242,14 +22059,7 @@
                 <a:latin typeface="Arial" pitchFamily="34" charset="0"/>
                 <a:cs typeface="Arial" pitchFamily="34" charset="0"/>
               </a:rPr>
-              <a:t>  </a:t>
-            </a:r>
-            <a:r>
-              <a:rPr lang="en-US" sz="3200" dirty="0" smtClean="0">
-                <a:latin typeface="Arial" pitchFamily="34" charset="0"/>
-                <a:cs typeface="Arial" pitchFamily="34" charset="0"/>
-              </a:rPr>
-              <a:t>websites.</a:t>
+              <a:t>  websites.</a:t>
             </a:r>
           </a:p>
           <a:p>
@@ -23265,14 +22075,7 @@
                 <a:latin typeface="Arial" pitchFamily="34" charset="0"/>
                 <a:cs typeface="Arial" pitchFamily="34" charset="0"/>
               </a:rPr>
-              <a:t>Combinations </a:t>
-            </a:r>
-            <a:r>
-              <a:rPr lang="en-US" sz="3200" dirty="0" smtClean="0">
-                <a:latin typeface="Arial" pitchFamily="34" charset="0"/>
-                <a:cs typeface="Arial" pitchFamily="34" charset="0"/>
-              </a:rPr>
-              <a:t>of Numerical and Link name referencing techniques.</a:t>
+              <a:t>Combinations of Numerical and Link name referencing techniques.</a:t>
             </a:r>
           </a:p>
           <a:p>
@@ -24472,13 +23275,6 @@
               </a:rPr>
               <a:t>Questions?</a:t>
             </a:r>
-            <a:endParaRPr lang="en-US" sz="4400" b="1" dirty="0" smtClean="0">
-              <a:solidFill>
-                <a:schemeClr val="accent2"/>
-              </a:solidFill>
-              <a:latin typeface="Arial" pitchFamily="34" charset="0"/>
-              <a:cs typeface="Arial" pitchFamily="34" charset="0"/>
-            </a:endParaRPr>
           </a:p>
         </p:txBody>
       </p:sp>
@@ -24673,7 +23469,7 @@
                 <a:latin typeface="Arial" pitchFamily="34" charset="0"/>
                 <a:cs typeface="Arial" pitchFamily="34" charset="0"/>
               </a:rPr>
-              <a:t>Why is 9% of the US population not using the internet?</a:t>
+              <a:t>Why such a large portion of the US population not using the internet?</a:t>
             </a:r>
           </a:p>
           <a:p>
@@ -24755,268 +23551,55 @@
         </p:spPr>
         <p:txBody>
           <a:bodyPr vert="horz">
-            <a:normAutofit/>
+            <a:normAutofit fontScale="62500" lnSpcReduction="20000"/>
           </a:bodyPr>
           <a:lstStyle/>
           <a:p>
-            <a:pPr marL="658368" lvl="1" indent="-246888" algn="just">
-              <a:spcBef>
-                <a:spcPts val="300"/>
-              </a:spcBef>
-            </a:pPr>
-            <a:r>
-              <a:rPr lang="en-GB" sz="800" dirty="0" smtClean="0">
-                <a:latin typeface="Arial" pitchFamily="34" charset="0"/>
-                <a:cs typeface="Arial" pitchFamily="34" charset="0"/>
-              </a:rPr>
-              <a:t>Anderson </a:t>
-            </a:r>
-            <a:r>
-              <a:rPr lang="en-GB" sz="800" dirty="0">
-                <a:latin typeface="Arial" pitchFamily="34" charset="0"/>
-                <a:cs typeface="Arial" pitchFamily="34" charset="0"/>
-              </a:rPr>
-              <a:t>S, </a:t>
-            </a:r>
-            <a:r>
-              <a:rPr lang="en-GB" sz="800" dirty="0" err="1">
-                <a:latin typeface="Arial" pitchFamily="34" charset="0"/>
-                <a:cs typeface="Arial" pitchFamily="34" charset="0"/>
-              </a:rPr>
+            <a:r>
+              <a:rPr lang="en-ZA" dirty="0" smtClean="0"/>
+              <a:t>Anderson S. , </a:t>
+            </a:r>
+            <a:r>
+              <a:rPr lang="en-ZA" dirty="0" err="1" smtClean="0"/>
               <a:t>Liberman</a:t>
             </a:r>
             <a:r>
-              <a:rPr lang="en-GB" sz="800" dirty="0">
-                <a:latin typeface="Arial" pitchFamily="34" charset="0"/>
-                <a:cs typeface="Arial" pitchFamily="34" charset="0"/>
-              </a:rPr>
-              <a:t> N, Bernstein E, </a:t>
-            </a:r>
-            <a:r>
-              <a:rPr lang="en-GB" sz="800" dirty="0" smtClean="0">
-                <a:latin typeface="Arial" pitchFamily="34" charset="0"/>
-                <a:cs typeface="Arial" pitchFamily="34" charset="0"/>
-              </a:rPr>
-              <a:t>Foster S, </a:t>
-            </a:r>
-            <a:r>
-              <a:rPr lang="en-GB" sz="800" dirty="0" err="1" smtClean="0">
-                <a:latin typeface="Arial" pitchFamily="34" charset="0"/>
-                <a:cs typeface="Arial" pitchFamily="34" charset="0"/>
-              </a:rPr>
+              <a:rPr lang="en-ZA" dirty="0" smtClean="0"/>
+              <a:t> N., Bernstein E., Foster S</a:t>
+            </a:r>
+            <a:r>
+              <a:rPr lang="en-ZA" dirty="0" smtClean="0"/>
+              <a:t>., </a:t>
+            </a:r>
+            <a:r>
+              <a:rPr lang="en-ZA" dirty="0" err="1" smtClean="0"/>
               <a:t>Cate</a:t>
             </a:r>
             <a:r>
-              <a:rPr lang="en-GB" sz="800" dirty="0" smtClean="0">
-                <a:latin typeface="Arial" pitchFamily="34" charset="0"/>
-                <a:cs typeface="Arial" pitchFamily="34" charset="0"/>
-              </a:rPr>
-              <a:t> E</a:t>
-            </a:r>
-            <a:r>
-              <a:rPr lang="en-GB" sz="800" dirty="0">
-                <a:latin typeface="Arial" pitchFamily="34" charset="0"/>
-                <a:cs typeface="Arial" pitchFamily="34" charset="0"/>
-              </a:rPr>
-              <a:t>, Levin B. </a:t>
-            </a:r>
-            <a:r>
-              <a:rPr lang="en-GB" sz="800" i="1" dirty="0">
-                <a:latin typeface="Arial" pitchFamily="34" charset="0"/>
-                <a:cs typeface="Arial" pitchFamily="34" charset="0"/>
-              </a:rPr>
-              <a:t>Recognition of </a:t>
-            </a:r>
-            <a:r>
-              <a:rPr lang="en-GB" sz="800" i="1" dirty="0" smtClean="0">
-                <a:latin typeface="Arial" pitchFamily="34" charset="0"/>
-                <a:cs typeface="Arial" pitchFamily="34" charset="0"/>
-              </a:rPr>
-              <a:t>elderly speech </a:t>
-            </a:r>
-            <a:r>
-              <a:rPr lang="en-GB" sz="800" i="1" dirty="0">
-                <a:latin typeface="Arial" pitchFamily="34" charset="0"/>
-                <a:cs typeface="Arial" pitchFamily="34" charset="0"/>
-              </a:rPr>
-              <a:t>and </a:t>
-            </a:r>
-            <a:r>
-              <a:rPr lang="en-GB" sz="800" i="1" dirty="0" smtClean="0">
-                <a:latin typeface="Arial" pitchFamily="34" charset="0"/>
-                <a:cs typeface="Arial" pitchFamily="34" charset="0"/>
-              </a:rPr>
-              <a:t>   voice-driven </a:t>
-            </a:r>
-            <a:r>
-              <a:rPr lang="en-GB" sz="800" i="1" dirty="0">
-                <a:latin typeface="Arial" pitchFamily="34" charset="0"/>
-                <a:cs typeface="Arial" pitchFamily="34" charset="0"/>
-              </a:rPr>
-              <a:t>document </a:t>
-            </a:r>
-            <a:r>
-              <a:rPr lang="en-GB" sz="800" i="1" dirty="0" smtClean="0">
-                <a:latin typeface="Arial" pitchFamily="34" charset="0"/>
-                <a:cs typeface="Arial" pitchFamily="34" charset="0"/>
-              </a:rPr>
-              <a:t>retrieval.</a:t>
-            </a:r>
-            <a:r>
-              <a:rPr lang="en-GB" sz="800" dirty="0" smtClean="0">
-                <a:latin typeface="Arial" pitchFamily="34" charset="0"/>
-                <a:cs typeface="Arial" pitchFamily="34" charset="0"/>
-              </a:rPr>
-              <a:t> Dragon Systems, Inc</a:t>
-            </a:r>
-            <a:r>
-              <a:rPr lang="en-GB" sz="800" dirty="0">
-                <a:latin typeface="Arial" pitchFamily="34" charset="0"/>
-                <a:cs typeface="Arial" pitchFamily="34" charset="0"/>
-              </a:rPr>
-              <a:t>, </a:t>
-            </a:r>
-            <a:r>
-              <a:rPr lang="en-GB" sz="800" dirty="0" smtClean="0">
-                <a:latin typeface="Arial" pitchFamily="34" charset="0"/>
-                <a:cs typeface="Arial" pitchFamily="34" charset="0"/>
-              </a:rPr>
-              <a:t>1999 IEEE</a:t>
-            </a:r>
-            <a:r>
-              <a:rPr lang="en-GB" sz="800" dirty="0">
-                <a:latin typeface="Arial" pitchFamily="34" charset="0"/>
-                <a:cs typeface="Arial" pitchFamily="34" charset="0"/>
-              </a:rPr>
-              <a:t>, pp </a:t>
-            </a:r>
-            <a:r>
-              <a:rPr lang="en-GB" sz="800" dirty="0" smtClean="0">
-                <a:latin typeface="Arial" pitchFamily="34" charset="0"/>
-                <a:cs typeface="Arial" pitchFamily="34" charset="0"/>
-              </a:rPr>
-              <a:t>1.</a:t>
-            </a:r>
-          </a:p>
-          <a:p>
-            <a:pPr marL="658368" lvl="1" indent="-246888" algn="just">
-              <a:spcBef>
-                <a:spcPts val="300"/>
-              </a:spcBef>
-            </a:pPr>
-            <a:r>
-              <a:rPr lang="en-GB" sz="800" dirty="0" smtClean="0">
-                <a:latin typeface="Arial" pitchFamily="34" charset="0"/>
-                <a:cs typeface="Arial" pitchFamily="34" charset="0"/>
-              </a:rPr>
-              <a:t>Conn </a:t>
-            </a:r>
-            <a:r>
-              <a:rPr lang="en-GB" sz="800" dirty="0">
-                <a:latin typeface="Arial" pitchFamily="34" charset="0"/>
-                <a:cs typeface="Arial" pitchFamily="34" charset="0"/>
-              </a:rPr>
-              <a:t>N, </a:t>
-            </a:r>
-            <a:r>
-              <a:rPr lang="en-GB" sz="800" dirty="0" err="1">
-                <a:latin typeface="Arial" pitchFamily="34" charset="0"/>
-                <a:cs typeface="Arial" pitchFamily="34" charset="0"/>
-              </a:rPr>
-              <a:t>McTear</a:t>
-            </a:r>
-            <a:r>
-              <a:rPr lang="en-GB" sz="800" dirty="0">
-                <a:latin typeface="Arial" pitchFamily="34" charset="0"/>
-                <a:cs typeface="Arial" pitchFamily="34" charset="0"/>
-              </a:rPr>
-              <a:t> M. </a:t>
-            </a:r>
-            <a:r>
-              <a:rPr lang="en-GB" sz="800" i="1" dirty="0">
-                <a:latin typeface="Arial" pitchFamily="34" charset="0"/>
-                <a:cs typeface="Arial" pitchFamily="34" charset="0"/>
-              </a:rPr>
-              <a:t>Speech Technology: </a:t>
-            </a:r>
-            <a:r>
-              <a:rPr lang="en-GB" sz="800" i="1" dirty="0" smtClean="0">
-                <a:latin typeface="Arial" pitchFamily="34" charset="0"/>
-                <a:cs typeface="Arial" pitchFamily="34" charset="0"/>
-              </a:rPr>
-              <a:t>A Solution for </a:t>
-            </a:r>
-            <a:r>
-              <a:rPr lang="en-GB" sz="800" i="1" dirty="0">
-                <a:latin typeface="Arial" pitchFamily="34" charset="0"/>
-                <a:cs typeface="Arial" pitchFamily="34" charset="0"/>
-              </a:rPr>
-              <a:t>People with Disabilities</a:t>
-            </a:r>
-            <a:r>
-              <a:rPr lang="en-GB" sz="800" dirty="0">
-                <a:latin typeface="Arial" pitchFamily="34" charset="0"/>
-                <a:cs typeface="Arial" pitchFamily="34" charset="0"/>
-              </a:rPr>
-              <a:t>. Faculty of </a:t>
-            </a:r>
-            <a:r>
-              <a:rPr lang="en-GB" sz="800" dirty="0" smtClean="0">
-                <a:latin typeface="Arial" pitchFamily="34" charset="0"/>
-                <a:cs typeface="Arial" pitchFamily="34" charset="0"/>
-              </a:rPr>
-              <a:t>Informatics</a:t>
-            </a:r>
-            <a:r>
-              <a:rPr lang="en-GB" sz="800" dirty="0">
-                <a:latin typeface="Arial" pitchFamily="34" charset="0"/>
-                <a:cs typeface="Arial" pitchFamily="34" charset="0"/>
-              </a:rPr>
-              <a:t>, </a:t>
-            </a:r>
-            <a:r>
-              <a:rPr lang="en-GB" sz="800" dirty="0" smtClean="0">
-                <a:latin typeface="Arial" pitchFamily="34" charset="0"/>
-                <a:cs typeface="Arial" pitchFamily="34" charset="0"/>
-              </a:rPr>
-              <a:t>University </a:t>
-            </a:r>
-            <a:r>
-              <a:rPr lang="en-GB" sz="800" dirty="0">
-                <a:latin typeface="Arial" pitchFamily="34" charset="0"/>
-                <a:cs typeface="Arial" pitchFamily="34" charset="0"/>
-              </a:rPr>
-              <a:t>of Ulster at </a:t>
-            </a:r>
-            <a:r>
-              <a:rPr lang="en-GB" sz="800" dirty="0" err="1" smtClean="0">
-                <a:latin typeface="Arial" pitchFamily="34" charset="0"/>
-                <a:cs typeface="Arial" pitchFamily="34" charset="0"/>
-              </a:rPr>
-              <a:t>Jordanstown</a:t>
-            </a:r>
-            <a:r>
-              <a:rPr lang="en-GB" sz="800" dirty="0" smtClean="0">
-                <a:latin typeface="Arial" pitchFamily="34" charset="0"/>
-                <a:cs typeface="Arial" pitchFamily="34" charset="0"/>
-              </a:rPr>
-              <a:t>, United Kingdom</a:t>
-            </a:r>
-            <a:r>
-              <a:rPr lang="en-GB" sz="800" dirty="0">
-                <a:latin typeface="Arial" pitchFamily="34" charset="0"/>
-                <a:cs typeface="Arial" pitchFamily="34" charset="0"/>
-              </a:rPr>
-              <a:t>, 2000 IEEE, pp 1.</a:t>
-            </a:r>
-          </a:p>
-          <a:p>
-            <a:pPr marL="658368" lvl="1" indent="-246888">
-              <a:spcBef>
-                <a:spcPts val="300"/>
-              </a:spcBef>
-            </a:pPr>
-            <a:endParaRPr lang="en-US" sz="3200" dirty="0" smtClean="0">
+              <a:rPr lang="en-ZA" dirty="0" smtClean="0"/>
+              <a:t> </a:t>
+            </a:r>
+            <a:r>
+              <a:rPr lang="en-ZA" dirty="0" smtClean="0"/>
+              <a:t>E., Levin B. Recognition of Elderly Speech </a:t>
+            </a:r>
+            <a:r>
+              <a:rPr lang="en-ZA" dirty="0" smtClean="0"/>
+              <a:t>and Voice-driven </a:t>
+            </a:r>
+            <a:r>
+              <a:rPr lang="en-ZA" dirty="0" smtClean="0"/>
+              <a:t>Document Retrieval. IEEE. </a:t>
+            </a:r>
+            <a:r>
+              <a:rPr lang="en-ZA" dirty="0" err="1" smtClean="0"/>
+              <a:t>Vol</a:t>
+            </a:r>
+            <a:r>
+              <a:rPr lang="en-ZA" dirty="0" smtClean="0"/>
+              <a:t> 1, 1999.</a:t>
+            </a:r>
+            <a:endParaRPr lang="en-US" sz="6000" dirty="0" smtClean="0">
               <a:latin typeface="Arial" pitchFamily="34" charset="0"/>
               <a:cs typeface="Arial" pitchFamily="34" charset="0"/>
             </a:endParaRPr>
